--- a/DeepLearning/HW7/imgs/ppt.pptx
+++ b/DeepLearning/HW7/imgs/ppt.pptx
@@ -4,9 +4,14 @@
   <p:sldMasterIdLst>
     <p:sldMasterId id="2147483648" r:id="rId1"/>
   </p:sldMasterIdLst>
+  <p:notesMasterIdLst>
+    <p:notesMasterId r:id="rId6"/>
+  </p:notesMasterIdLst>
   <p:sldIdLst>
     <p:sldId id="256" r:id="rId2"/>
     <p:sldId id="257" r:id="rId3"/>
+    <p:sldId id="258" r:id="rId4"/>
+    <p:sldId id="259" r:id="rId5"/>
   </p:sldIdLst>
   <p:sldSz cx="12192000" cy="6858000"/>
   <p:notesSz cx="6858000" cy="9144000"/>
@@ -105,7 +110,446 @@
       </a:defRPr>
     </a:lvl9pPr>
   </p:defaultTextStyle>
+  <p:extLst>
+    <p:ext uri="{EFAFB233-063F-42B5-8137-9DF3F51BA10A}">
+      <p15:sldGuideLst xmlns:p15="http://schemas.microsoft.com/office/powerpoint/2012/main"/>
+    </p:ext>
+  </p:extLst>
 </p:presentation>
+</file>
+
+<file path=ppt/notesMasters/notesMaster1.xml><?xml version="1.0" encoding="utf-8"?>
+<p:notesMaster xmlns:a="http://schemas.openxmlformats.org/drawingml/2006/main" xmlns:r="http://schemas.openxmlformats.org/officeDocument/2006/relationships" xmlns:p="http://schemas.openxmlformats.org/presentationml/2006/main">
+  <p:cSld>
+    <p:bg>
+      <p:bgRef idx="1001">
+        <a:schemeClr val="bg1"/>
+      </p:bgRef>
+    </p:bg>
+    <p:spTree>
+      <p:nvGrpSpPr>
+        <p:cNvPr id="1" name=""/>
+        <p:cNvGrpSpPr/>
+        <p:nvPr/>
+      </p:nvGrpSpPr>
+      <p:grpSpPr>
+        <a:xfrm>
+          <a:off x="0" y="0"/>
+          <a:ext cx="0" cy="0"/>
+          <a:chOff x="0" y="0"/>
+          <a:chExt cx="0" cy="0"/>
+        </a:xfrm>
+      </p:grpSpPr>
+      <p:sp>
+        <p:nvSpPr>
+          <p:cNvPr id="2" name="Header Placeholder 1"/>
+          <p:cNvSpPr>
+            <a:spLocks noGrp="1"/>
+          </p:cNvSpPr>
+          <p:nvPr>
+            <p:ph type="hdr" sz="quarter"/>
+          </p:nvPr>
+        </p:nvSpPr>
+        <p:spPr>
+          <a:xfrm>
+            <a:off x="0" y="0"/>
+            <a:ext cx="2971800" cy="458788"/>
+          </a:xfrm>
+          <a:prstGeom prst="rect">
+            <a:avLst/>
+          </a:prstGeom>
+        </p:spPr>
+        <p:txBody>
+          <a:bodyPr vert="horz" lIns="91440" tIns="45720" rIns="91440" bIns="45720" rtlCol="0"/>
+          <a:lstStyle>
+            <a:lvl1pPr algn="l">
+              <a:defRPr sz="1200"/>
+            </a:lvl1pPr>
+          </a:lstStyle>
+          <a:p>
+            <a:endParaRPr lang="zh-TW" altLang="en-US"/>
+          </a:p>
+        </p:txBody>
+      </p:sp>
+      <p:sp>
+        <p:nvSpPr>
+          <p:cNvPr id="3" name="Date Placeholder 2"/>
+          <p:cNvSpPr>
+            <a:spLocks noGrp="1"/>
+          </p:cNvSpPr>
+          <p:nvPr>
+            <p:ph type="dt" idx="1"/>
+          </p:nvPr>
+        </p:nvSpPr>
+        <p:spPr>
+          <a:xfrm>
+            <a:off x="3884613" y="0"/>
+            <a:ext cx="2971800" cy="458788"/>
+          </a:xfrm>
+          <a:prstGeom prst="rect">
+            <a:avLst/>
+          </a:prstGeom>
+        </p:spPr>
+        <p:txBody>
+          <a:bodyPr vert="horz" lIns="91440" tIns="45720" rIns="91440" bIns="45720" rtlCol="0"/>
+          <a:lstStyle>
+            <a:lvl1pPr algn="r">
+              <a:defRPr sz="1200"/>
+            </a:lvl1pPr>
+          </a:lstStyle>
+          <a:p>
+            <a:fld id="{2E80F319-FDC0-492D-859A-D49C851F2F45}" type="datetimeFigureOut">
+              <a:rPr lang="zh-TW" altLang="en-US" smtClean="0"/>
+              <a:t>2021/6/6</a:t>
+            </a:fld>
+            <a:endParaRPr lang="zh-TW" altLang="en-US"/>
+          </a:p>
+        </p:txBody>
+      </p:sp>
+      <p:sp>
+        <p:nvSpPr>
+          <p:cNvPr id="4" name="Slide Image Placeholder 3"/>
+          <p:cNvSpPr>
+            <a:spLocks noGrp="1" noRot="1" noChangeAspect="1"/>
+          </p:cNvSpPr>
+          <p:nvPr>
+            <p:ph type="sldImg" idx="2"/>
+          </p:nvPr>
+        </p:nvSpPr>
+        <p:spPr>
+          <a:xfrm>
+            <a:off x="685800" y="1143000"/>
+            <a:ext cx="5486400" cy="3086100"/>
+          </a:xfrm>
+          <a:prstGeom prst="rect">
+            <a:avLst/>
+          </a:prstGeom>
+          <a:noFill/>
+          <a:ln w="12700">
+            <a:solidFill>
+              <a:prstClr val="black"/>
+            </a:solidFill>
+          </a:ln>
+        </p:spPr>
+        <p:txBody>
+          <a:bodyPr vert="horz" lIns="91440" tIns="45720" rIns="91440" bIns="45720" rtlCol="0" anchor="ctr"/>
+          <a:lstStyle/>
+          <a:p>
+            <a:endParaRPr lang="zh-TW" altLang="en-US"/>
+          </a:p>
+        </p:txBody>
+      </p:sp>
+      <p:sp>
+        <p:nvSpPr>
+          <p:cNvPr id="5" name="Notes Placeholder 4"/>
+          <p:cNvSpPr>
+            <a:spLocks noGrp="1"/>
+          </p:cNvSpPr>
+          <p:nvPr>
+            <p:ph type="body" sz="quarter" idx="3"/>
+          </p:nvPr>
+        </p:nvSpPr>
+        <p:spPr>
+          <a:xfrm>
+            <a:off x="685800" y="4400550"/>
+            <a:ext cx="5486400" cy="3600450"/>
+          </a:xfrm>
+          <a:prstGeom prst="rect">
+            <a:avLst/>
+          </a:prstGeom>
+        </p:spPr>
+        <p:txBody>
+          <a:bodyPr vert="horz" lIns="91440" tIns="45720" rIns="91440" bIns="45720" rtlCol="0"/>
+          <a:lstStyle/>
+          <a:p>
+            <a:pPr lvl="0"/>
+            <a:r>
+              <a:rPr lang="en-US" altLang="zh-TW"/>
+              <a:t>Click to edit Master text styles</a:t>
+            </a:r>
+          </a:p>
+          <a:p>
+            <a:pPr lvl="1"/>
+            <a:r>
+              <a:rPr lang="en-US" altLang="zh-TW"/>
+              <a:t>Second level</a:t>
+            </a:r>
+          </a:p>
+          <a:p>
+            <a:pPr lvl="2"/>
+            <a:r>
+              <a:rPr lang="en-US" altLang="zh-TW"/>
+              <a:t>Third level</a:t>
+            </a:r>
+          </a:p>
+          <a:p>
+            <a:pPr lvl="3"/>
+            <a:r>
+              <a:rPr lang="en-US" altLang="zh-TW"/>
+              <a:t>Fourth level</a:t>
+            </a:r>
+          </a:p>
+          <a:p>
+            <a:pPr lvl="4"/>
+            <a:r>
+              <a:rPr lang="en-US" altLang="zh-TW"/>
+              <a:t>Fifth level</a:t>
+            </a:r>
+            <a:endParaRPr lang="zh-TW" altLang="en-US"/>
+          </a:p>
+        </p:txBody>
+      </p:sp>
+      <p:sp>
+        <p:nvSpPr>
+          <p:cNvPr id="6" name="Footer Placeholder 5"/>
+          <p:cNvSpPr>
+            <a:spLocks noGrp="1"/>
+          </p:cNvSpPr>
+          <p:nvPr>
+            <p:ph type="ftr" sz="quarter" idx="4"/>
+          </p:nvPr>
+        </p:nvSpPr>
+        <p:spPr>
+          <a:xfrm>
+            <a:off x="0" y="8685213"/>
+            <a:ext cx="2971800" cy="458787"/>
+          </a:xfrm>
+          <a:prstGeom prst="rect">
+            <a:avLst/>
+          </a:prstGeom>
+        </p:spPr>
+        <p:txBody>
+          <a:bodyPr vert="horz" lIns="91440" tIns="45720" rIns="91440" bIns="45720" rtlCol="0" anchor="b"/>
+          <a:lstStyle>
+            <a:lvl1pPr algn="l">
+              <a:defRPr sz="1200"/>
+            </a:lvl1pPr>
+          </a:lstStyle>
+          <a:p>
+            <a:endParaRPr lang="zh-TW" altLang="en-US"/>
+          </a:p>
+        </p:txBody>
+      </p:sp>
+      <p:sp>
+        <p:nvSpPr>
+          <p:cNvPr id="7" name="Slide Number Placeholder 6"/>
+          <p:cNvSpPr>
+            <a:spLocks noGrp="1"/>
+          </p:cNvSpPr>
+          <p:nvPr>
+            <p:ph type="sldNum" sz="quarter" idx="5"/>
+          </p:nvPr>
+        </p:nvSpPr>
+        <p:spPr>
+          <a:xfrm>
+            <a:off x="3884613" y="8685213"/>
+            <a:ext cx="2971800" cy="458787"/>
+          </a:xfrm>
+          <a:prstGeom prst="rect">
+            <a:avLst/>
+          </a:prstGeom>
+        </p:spPr>
+        <p:txBody>
+          <a:bodyPr vert="horz" lIns="91440" tIns="45720" rIns="91440" bIns="45720" rtlCol="0" anchor="b"/>
+          <a:lstStyle>
+            <a:lvl1pPr algn="r">
+              <a:defRPr sz="1200"/>
+            </a:lvl1pPr>
+          </a:lstStyle>
+          <a:p>
+            <a:fld id="{B7714AEF-7ED1-4D2A-B34D-39CFCDB39A1E}" type="slidenum">
+              <a:rPr lang="zh-TW" altLang="en-US" smtClean="0"/>
+              <a:t>‹#›</a:t>
+            </a:fld>
+            <a:endParaRPr lang="zh-TW" altLang="en-US"/>
+          </a:p>
+        </p:txBody>
+      </p:sp>
+    </p:spTree>
+    <p:extLst>
+      <p:ext uri="{BB962C8B-B14F-4D97-AF65-F5344CB8AC3E}">
+        <p14:creationId xmlns:p14="http://schemas.microsoft.com/office/powerpoint/2010/main" val="2418980134"/>
+      </p:ext>
+    </p:extLst>
+  </p:cSld>
+  <p:clrMap bg1="lt1" tx1="dk1" bg2="lt2" tx2="dk2" accent1="accent1" accent2="accent2" accent3="accent3" accent4="accent4" accent5="accent5" accent6="accent6" hlink="hlink" folHlink="folHlink"/>
+  <p:notesStyle>
+    <a:lvl1pPr marL="0" algn="l" defTabSz="914400" rtl="0" eaLnBrk="1" latinLnBrk="0" hangingPunct="1">
+      <a:defRPr sz="1200" kern="1200">
+        <a:solidFill>
+          <a:schemeClr val="tx1"/>
+        </a:solidFill>
+        <a:latin typeface="+mn-lt"/>
+        <a:ea typeface="+mn-ea"/>
+        <a:cs typeface="+mn-cs"/>
+      </a:defRPr>
+    </a:lvl1pPr>
+    <a:lvl2pPr marL="457200" algn="l" defTabSz="914400" rtl="0" eaLnBrk="1" latinLnBrk="0" hangingPunct="1">
+      <a:defRPr sz="1200" kern="1200">
+        <a:solidFill>
+          <a:schemeClr val="tx1"/>
+        </a:solidFill>
+        <a:latin typeface="+mn-lt"/>
+        <a:ea typeface="+mn-ea"/>
+        <a:cs typeface="+mn-cs"/>
+      </a:defRPr>
+    </a:lvl2pPr>
+    <a:lvl3pPr marL="914400" algn="l" defTabSz="914400" rtl="0" eaLnBrk="1" latinLnBrk="0" hangingPunct="1">
+      <a:defRPr sz="1200" kern="1200">
+        <a:solidFill>
+          <a:schemeClr val="tx1"/>
+        </a:solidFill>
+        <a:latin typeface="+mn-lt"/>
+        <a:ea typeface="+mn-ea"/>
+        <a:cs typeface="+mn-cs"/>
+      </a:defRPr>
+    </a:lvl3pPr>
+    <a:lvl4pPr marL="1371600" algn="l" defTabSz="914400" rtl="0" eaLnBrk="1" latinLnBrk="0" hangingPunct="1">
+      <a:defRPr sz="1200" kern="1200">
+        <a:solidFill>
+          <a:schemeClr val="tx1"/>
+        </a:solidFill>
+        <a:latin typeface="+mn-lt"/>
+        <a:ea typeface="+mn-ea"/>
+        <a:cs typeface="+mn-cs"/>
+      </a:defRPr>
+    </a:lvl4pPr>
+    <a:lvl5pPr marL="1828800" algn="l" defTabSz="914400" rtl="0" eaLnBrk="1" latinLnBrk="0" hangingPunct="1">
+      <a:defRPr sz="1200" kern="1200">
+        <a:solidFill>
+          <a:schemeClr val="tx1"/>
+        </a:solidFill>
+        <a:latin typeface="+mn-lt"/>
+        <a:ea typeface="+mn-ea"/>
+        <a:cs typeface="+mn-cs"/>
+      </a:defRPr>
+    </a:lvl5pPr>
+    <a:lvl6pPr marL="2286000" algn="l" defTabSz="914400" rtl="0" eaLnBrk="1" latinLnBrk="0" hangingPunct="1">
+      <a:defRPr sz="1200" kern="1200">
+        <a:solidFill>
+          <a:schemeClr val="tx1"/>
+        </a:solidFill>
+        <a:latin typeface="+mn-lt"/>
+        <a:ea typeface="+mn-ea"/>
+        <a:cs typeface="+mn-cs"/>
+      </a:defRPr>
+    </a:lvl6pPr>
+    <a:lvl7pPr marL="2743200" algn="l" defTabSz="914400" rtl="0" eaLnBrk="1" latinLnBrk="0" hangingPunct="1">
+      <a:defRPr sz="1200" kern="1200">
+        <a:solidFill>
+          <a:schemeClr val="tx1"/>
+        </a:solidFill>
+        <a:latin typeface="+mn-lt"/>
+        <a:ea typeface="+mn-ea"/>
+        <a:cs typeface="+mn-cs"/>
+      </a:defRPr>
+    </a:lvl7pPr>
+    <a:lvl8pPr marL="3200400" algn="l" defTabSz="914400" rtl="0" eaLnBrk="1" latinLnBrk="0" hangingPunct="1">
+      <a:defRPr sz="1200" kern="1200">
+        <a:solidFill>
+          <a:schemeClr val="tx1"/>
+        </a:solidFill>
+        <a:latin typeface="+mn-lt"/>
+        <a:ea typeface="+mn-ea"/>
+        <a:cs typeface="+mn-cs"/>
+      </a:defRPr>
+    </a:lvl8pPr>
+    <a:lvl9pPr marL="3657600" algn="l" defTabSz="914400" rtl="0" eaLnBrk="1" latinLnBrk="0" hangingPunct="1">
+      <a:defRPr sz="1200" kern="1200">
+        <a:solidFill>
+          <a:schemeClr val="tx1"/>
+        </a:solidFill>
+        <a:latin typeface="+mn-lt"/>
+        <a:ea typeface="+mn-ea"/>
+        <a:cs typeface="+mn-cs"/>
+      </a:defRPr>
+    </a:lvl9pPr>
+  </p:notesStyle>
+</p:notesMaster>
+</file>
+
+<file path=ppt/notesSlides/notesSlide1.xml><?xml version="1.0" encoding="utf-8"?>
+<p:notes xmlns:a="http://schemas.openxmlformats.org/drawingml/2006/main" xmlns:r="http://schemas.openxmlformats.org/officeDocument/2006/relationships" xmlns:p="http://schemas.openxmlformats.org/presentationml/2006/main">
+  <p:cSld>
+    <p:spTree>
+      <p:nvGrpSpPr>
+        <p:cNvPr id="1" name=""/>
+        <p:cNvGrpSpPr/>
+        <p:nvPr/>
+      </p:nvGrpSpPr>
+      <p:grpSpPr>
+        <a:xfrm>
+          <a:off x="0" y="0"/>
+          <a:ext cx="0" cy="0"/>
+          <a:chOff x="0" y="0"/>
+          <a:chExt cx="0" cy="0"/>
+        </a:xfrm>
+      </p:grpSpPr>
+      <p:sp>
+        <p:nvSpPr>
+          <p:cNvPr id="2" name="Slide Image Placeholder 1"/>
+          <p:cNvSpPr>
+            <a:spLocks noGrp="1" noRot="1" noChangeAspect="1"/>
+          </p:cNvSpPr>
+          <p:nvPr>
+            <p:ph type="sldImg"/>
+          </p:nvPr>
+        </p:nvSpPr>
+        <p:spPr/>
+      </p:sp>
+      <p:sp>
+        <p:nvSpPr>
+          <p:cNvPr id="3" name="Notes Placeholder 2"/>
+          <p:cNvSpPr>
+            <a:spLocks noGrp="1"/>
+          </p:cNvSpPr>
+          <p:nvPr>
+            <p:ph type="body" idx="1"/>
+          </p:nvPr>
+        </p:nvSpPr>
+        <p:spPr/>
+        <p:txBody>
+          <a:bodyPr/>
+          <a:lstStyle/>
+          <a:p>
+            <a:endParaRPr lang="zh-TW" altLang="en-US" dirty="0"/>
+          </a:p>
+        </p:txBody>
+      </p:sp>
+      <p:sp>
+        <p:nvSpPr>
+          <p:cNvPr id="4" name="Slide Number Placeholder 3"/>
+          <p:cNvSpPr>
+            <a:spLocks noGrp="1"/>
+          </p:cNvSpPr>
+          <p:nvPr>
+            <p:ph type="sldNum" sz="quarter" idx="5"/>
+          </p:nvPr>
+        </p:nvSpPr>
+        <p:spPr/>
+        <p:txBody>
+          <a:bodyPr/>
+          <a:lstStyle/>
+          <a:p>
+            <a:fld id="{B7714AEF-7ED1-4D2A-B34D-39CFCDB39A1E}" type="slidenum">
+              <a:rPr lang="zh-TW" altLang="en-US" smtClean="0"/>
+              <a:t>3</a:t>
+            </a:fld>
+            <a:endParaRPr lang="zh-TW" altLang="en-US"/>
+          </a:p>
+        </p:txBody>
+      </p:sp>
+    </p:spTree>
+    <p:extLst>
+      <p:ext uri="{BB962C8B-B14F-4D97-AF65-F5344CB8AC3E}">
+        <p14:creationId xmlns:p14="http://schemas.microsoft.com/office/powerpoint/2010/main" val="3052948420"/>
+      </p:ext>
+    </p:extLst>
+  </p:cSld>
+  <p:clrMapOvr>
+    <a:masterClrMapping/>
+  </p:clrMapOvr>
+</p:notes>
 </file>
 
 <file path=ppt/slideLayouts/slideLayout1.xml><?xml version="1.0" encoding="utf-8"?>
@@ -3751,6 +4195,360 @@
 </p:sld>
 </file>
 
+<file path=ppt/slides/slide3.xml><?xml version="1.0" encoding="utf-8"?>
+<p:sld xmlns:a="http://schemas.openxmlformats.org/drawingml/2006/main" xmlns:r="http://schemas.openxmlformats.org/officeDocument/2006/relationships" xmlns:p="http://schemas.openxmlformats.org/presentationml/2006/main">
+  <p:cSld>
+    <p:spTree>
+      <p:nvGrpSpPr>
+        <p:cNvPr id="1" name=""/>
+        <p:cNvGrpSpPr/>
+        <p:nvPr/>
+      </p:nvGrpSpPr>
+      <p:grpSpPr>
+        <a:xfrm>
+          <a:off x="0" y="0"/>
+          <a:ext cx="0" cy="0"/>
+          <a:chOff x="0" y="0"/>
+          <a:chExt cx="0" cy="0"/>
+        </a:xfrm>
+      </p:grpSpPr>
+      <p:sp>
+        <p:nvSpPr>
+          <p:cNvPr id="2" name="Title 1">
+            <a:extLst>
+              <a:ext uri="{FF2B5EF4-FFF2-40B4-BE49-F238E27FC236}">
+                <a16:creationId xmlns:a16="http://schemas.microsoft.com/office/drawing/2014/main" id="{966B4B36-53A0-4A85-AD79-24DB950FC974}"/>
+              </a:ext>
+            </a:extLst>
+          </p:cNvPr>
+          <p:cNvSpPr>
+            <a:spLocks noGrp="1"/>
+          </p:cNvSpPr>
+          <p:nvPr>
+            <p:ph type="title"/>
+          </p:nvPr>
+        </p:nvSpPr>
+        <p:spPr/>
+        <p:txBody>
+          <a:bodyPr/>
+          <a:lstStyle/>
+          <a:p>
+            <a:endParaRPr lang="zh-TW" altLang="en-US"/>
+          </a:p>
+        </p:txBody>
+      </p:sp>
+      <p:pic>
+        <p:nvPicPr>
+          <p:cNvPr id="5" name="Content Placeholder 4" descr="A picture containing indoor&#10;&#10;Description automatically generated">
+            <a:extLst>
+              <a:ext uri="{FF2B5EF4-FFF2-40B4-BE49-F238E27FC236}">
+                <a16:creationId xmlns:a16="http://schemas.microsoft.com/office/drawing/2014/main" id="{9FA3E870-3D70-4FFB-BDE8-746DBFA36344}"/>
+              </a:ext>
+            </a:extLst>
+          </p:cNvPr>
+          <p:cNvPicPr>
+            <a:picLocks noGrp="1" noChangeAspect="1"/>
+          </p:cNvPicPr>
+          <p:nvPr>
+            <p:ph idx="1"/>
+          </p:nvPr>
+        </p:nvPicPr>
+        <p:blipFill>
+          <a:blip r:embed="rId3">
+            <a:extLst>
+              <a:ext uri="{28A0092B-C50C-407E-A947-70E740481C1C}">
+                <a14:useLocalDpi xmlns:a14="http://schemas.microsoft.com/office/drawing/2010/main" val="0"/>
+              </a:ext>
+            </a:extLst>
+          </a:blip>
+          <a:stretch>
+            <a:fillRect/>
+          </a:stretch>
+        </p:blipFill>
+        <p:spPr>
+          <a:xfrm>
+            <a:off x="1736216" y="2400729"/>
+            <a:ext cx="4191955" cy="3201129"/>
+          </a:xfrm>
+        </p:spPr>
+      </p:pic>
+      <p:pic>
+        <p:nvPicPr>
+          <p:cNvPr id="7" name="Picture 6" descr="A picture containing dark&#10;&#10;Description automatically generated">
+            <a:extLst>
+              <a:ext uri="{FF2B5EF4-FFF2-40B4-BE49-F238E27FC236}">
+                <a16:creationId xmlns:a16="http://schemas.microsoft.com/office/drawing/2014/main" id="{6DC7AD51-8F13-4319-83D3-523883C505AC}"/>
+              </a:ext>
+            </a:extLst>
+          </p:cNvPr>
+          <p:cNvPicPr>
+            <a:picLocks noChangeAspect="1"/>
+          </p:cNvPicPr>
+          <p:nvPr/>
+        </p:nvPicPr>
+        <p:blipFill>
+          <a:blip r:embed="rId4">
+            <a:extLst>
+              <a:ext uri="{28A0092B-C50C-407E-A947-70E740481C1C}">
+                <a14:useLocalDpi xmlns:a14="http://schemas.microsoft.com/office/drawing/2010/main" val="0"/>
+              </a:ext>
+            </a:extLst>
+          </a:blip>
+          <a:stretch>
+            <a:fillRect/>
+          </a:stretch>
+        </p:blipFill>
+        <p:spPr>
+          <a:xfrm>
+            <a:off x="6263831" y="2400728"/>
+            <a:ext cx="4191955" cy="3201129"/>
+          </a:xfrm>
+          <a:prstGeom prst="rect">
+            <a:avLst/>
+          </a:prstGeom>
+        </p:spPr>
+      </p:pic>
+      <p:sp>
+        <p:nvSpPr>
+          <p:cNvPr id="8" name="Rectangle 7">
+            <a:extLst>
+              <a:ext uri="{FF2B5EF4-FFF2-40B4-BE49-F238E27FC236}">
+                <a16:creationId xmlns:a16="http://schemas.microsoft.com/office/drawing/2014/main" id="{F00E7F1A-7848-4492-9E89-E2BDD1EA58C0}"/>
+              </a:ext>
+            </a:extLst>
+          </p:cNvPr>
+          <p:cNvSpPr/>
+          <p:nvPr/>
+        </p:nvSpPr>
+        <p:spPr>
+          <a:xfrm>
+            <a:off x="2794140" y="5579691"/>
+            <a:ext cx="2076106" cy="732208"/>
+          </a:xfrm>
+          <a:prstGeom prst="rect">
+            <a:avLst/>
+          </a:prstGeom>
+          <a:noFill/>
+        </p:spPr>
+        <p:style>
+          <a:lnRef idx="2">
+            <a:schemeClr val="accent1">
+              <a:shade val="50000"/>
+            </a:schemeClr>
+          </a:lnRef>
+          <a:fillRef idx="1">
+            <a:schemeClr val="accent1"/>
+          </a:fillRef>
+          <a:effectRef idx="0">
+            <a:schemeClr val="accent1"/>
+          </a:effectRef>
+          <a:fontRef idx="minor">
+            <a:schemeClr val="lt1"/>
+          </a:fontRef>
+        </p:style>
+        <p:txBody>
+          <a:bodyPr rtlCol="0" anchor="ctr"/>
+          <a:lstStyle/>
+          <a:p>
+            <a:pPr algn="ctr"/>
+            <a:r>
+              <a:rPr lang="en-US" altLang="zh-TW" sz="2800" b="1" dirty="0">
+                <a:solidFill>
+                  <a:schemeClr val="tx1"/>
+                </a:solidFill>
+              </a:rPr>
+              <a:t>Input Image</a:t>
+            </a:r>
+            <a:endParaRPr lang="zh-TW" altLang="en-US" sz="2800" b="1" dirty="0">
+              <a:solidFill>
+                <a:schemeClr val="tx1"/>
+              </a:solidFill>
+            </a:endParaRPr>
+          </a:p>
+        </p:txBody>
+      </p:sp>
+      <p:sp>
+        <p:nvSpPr>
+          <p:cNvPr id="9" name="Rectangle 8">
+            <a:extLst>
+              <a:ext uri="{FF2B5EF4-FFF2-40B4-BE49-F238E27FC236}">
+                <a16:creationId xmlns:a16="http://schemas.microsoft.com/office/drawing/2014/main" id="{F54410C0-C34D-4729-968A-FFE87ED899C2}"/>
+              </a:ext>
+            </a:extLst>
+          </p:cNvPr>
+          <p:cNvSpPr/>
+          <p:nvPr/>
+        </p:nvSpPr>
+        <p:spPr>
+          <a:xfrm>
+            <a:off x="7321756" y="5601857"/>
+            <a:ext cx="2076106" cy="732208"/>
+          </a:xfrm>
+          <a:prstGeom prst="rect">
+            <a:avLst/>
+          </a:prstGeom>
+          <a:noFill/>
+        </p:spPr>
+        <p:style>
+          <a:lnRef idx="2">
+            <a:schemeClr val="accent1">
+              <a:shade val="50000"/>
+            </a:schemeClr>
+          </a:lnRef>
+          <a:fillRef idx="1">
+            <a:schemeClr val="accent1"/>
+          </a:fillRef>
+          <a:effectRef idx="0">
+            <a:schemeClr val="accent1"/>
+          </a:effectRef>
+          <a:fontRef idx="minor">
+            <a:schemeClr val="lt1"/>
+          </a:fontRef>
+        </p:style>
+        <p:txBody>
+          <a:bodyPr rtlCol="0" anchor="ctr"/>
+          <a:lstStyle/>
+          <a:p>
+            <a:pPr algn="ctr"/>
+            <a:r>
+              <a:rPr lang="en-US" altLang="zh-TW" sz="2800" b="1" dirty="0">
+                <a:solidFill>
+                  <a:schemeClr val="tx1"/>
+                </a:solidFill>
+              </a:rPr>
+              <a:t>G.T. Mask</a:t>
+            </a:r>
+            <a:endParaRPr lang="zh-TW" altLang="en-US" sz="2800" b="1" dirty="0">
+              <a:solidFill>
+                <a:schemeClr val="tx1"/>
+              </a:solidFill>
+            </a:endParaRPr>
+          </a:p>
+        </p:txBody>
+      </p:sp>
+    </p:spTree>
+    <p:extLst>
+      <p:ext uri="{BB962C8B-B14F-4D97-AF65-F5344CB8AC3E}">
+        <p14:creationId xmlns:p14="http://schemas.microsoft.com/office/powerpoint/2010/main" val="364029917"/>
+      </p:ext>
+    </p:extLst>
+  </p:cSld>
+  <p:clrMapOvr>
+    <a:masterClrMapping/>
+  </p:clrMapOvr>
+</p:sld>
+</file>
+
+<file path=ppt/slides/slide4.xml><?xml version="1.0" encoding="utf-8"?>
+<p:sld xmlns:a="http://schemas.openxmlformats.org/drawingml/2006/main" xmlns:r="http://schemas.openxmlformats.org/officeDocument/2006/relationships" xmlns:p="http://schemas.openxmlformats.org/presentationml/2006/main">
+  <p:cSld>
+    <p:spTree>
+      <p:nvGrpSpPr>
+        <p:cNvPr id="1" name=""/>
+        <p:cNvGrpSpPr/>
+        <p:nvPr/>
+      </p:nvGrpSpPr>
+      <p:grpSpPr>
+        <a:xfrm>
+          <a:off x="0" y="0"/>
+          <a:ext cx="0" cy="0"/>
+          <a:chOff x="0" y="0"/>
+          <a:chExt cx="0" cy="0"/>
+        </a:xfrm>
+      </p:grpSpPr>
+      <p:sp>
+        <p:nvSpPr>
+          <p:cNvPr id="2" name="Title 1">
+            <a:extLst>
+              <a:ext uri="{FF2B5EF4-FFF2-40B4-BE49-F238E27FC236}">
+                <a16:creationId xmlns:a16="http://schemas.microsoft.com/office/drawing/2014/main" id="{540C52E2-5A21-41E2-AA5C-69A5591A4B1A}"/>
+              </a:ext>
+            </a:extLst>
+          </p:cNvPr>
+          <p:cNvSpPr>
+            <a:spLocks noGrp="1"/>
+          </p:cNvSpPr>
+          <p:nvPr>
+            <p:ph type="title"/>
+          </p:nvPr>
+        </p:nvSpPr>
+        <p:spPr/>
+        <p:txBody>
+          <a:bodyPr/>
+          <a:lstStyle/>
+          <a:p>
+            <a:endParaRPr lang="zh-TW" altLang="en-US"/>
+          </a:p>
+        </p:txBody>
+      </p:sp>
+      <p:sp>
+        <p:nvSpPr>
+          <p:cNvPr id="3" name="Content Placeholder 2">
+            <a:extLst>
+              <a:ext uri="{FF2B5EF4-FFF2-40B4-BE49-F238E27FC236}">
+                <a16:creationId xmlns:a16="http://schemas.microsoft.com/office/drawing/2014/main" id="{34BAB8BB-5AA5-48C0-BE10-972722DC5B50}"/>
+              </a:ext>
+            </a:extLst>
+          </p:cNvPr>
+          <p:cNvSpPr>
+            <a:spLocks noGrp="1"/>
+          </p:cNvSpPr>
+          <p:nvPr>
+            <p:ph idx="1"/>
+          </p:nvPr>
+        </p:nvSpPr>
+        <p:spPr/>
+        <p:txBody>
+          <a:bodyPr/>
+          <a:lstStyle/>
+          <a:p>
+            <a:endParaRPr lang="zh-TW" altLang="en-US"/>
+          </a:p>
+        </p:txBody>
+      </p:sp>
+      <p:pic>
+        <p:nvPicPr>
+          <p:cNvPr id="5" name="Picture 4">
+            <a:extLst>
+              <a:ext uri="{FF2B5EF4-FFF2-40B4-BE49-F238E27FC236}">
+                <a16:creationId xmlns:a16="http://schemas.microsoft.com/office/drawing/2014/main" id="{61958F47-06DF-4BFA-B693-2F0F32282CEC}"/>
+              </a:ext>
+            </a:extLst>
+          </p:cNvPr>
+          <p:cNvPicPr>
+            <a:picLocks noChangeAspect="1"/>
+          </p:cNvPicPr>
+          <p:nvPr/>
+        </p:nvPicPr>
+        <p:blipFill>
+          <a:blip r:embed="rId2"/>
+          <a:stretch>
+            <a:fillRect/>
+          </a:stretch>
+        </p:blipFill>
+        <p:spPr>
+          <a:xfrm>
+            <a:off x="0" y="451289"/>
+            <a:ext cx="12192000" cy="5955421"/>
+          </a:xfrm>
+          <a:prstGeom prst="rect">
+            <a:avLst/>
+          </a:prstGeom>
+        </p:spPr>
+      </p:pic>
+    </p:spTree>
+    <p:extLst>
+      <p:ext uri="{BB962C8B-B14F-4D97-AF65-F5344CB8AC3E}">
+        <p14:creationId xmlns:p14="http://schemas.microsoft.com/office/powerpoint/2010/main" val="3324914612"/>
+      </p:ext>
+    </p:extLst>
+  </p:cSld>
+  <p:clrMapOvr>
+    <a:masterClrMapping/>
+  </p:clrMapOvr>
+</p:sld>
+</file>
+
 <file path=ppt/theme/theme1.xml><?xml version="1.0" encoding="utf-8"?>
 <a:theme xmlns:a="http://schemas.openxmlformats.org/drawingml/2006/main" name="Office Theme">
   <a:themeElements>
@@ -4044,4 +4842,299 @@
     </a:ext>
   </a:extLst>
 </a:theme>
+</file>
+
+<file path=ppt/theme/theme2.xml><?xml version="1.0" encoding="utf-8"?>
+<a:theme xmlns:a="http://schemas.openxmlformats.org/drawingml/2006/main" name="Office Theme">
+  <a:themeElements>
+    <a:clrScheme name="Office">
+      <a:dk1>
+        <a:sysClr val="windowText" lastClr="000000"/>
+      </a:dk1>
+      <a:lt1>
+        <a:sysClr val="window" lastClr="FFFFFF"/>
+      </a:lt1>
+      <a:dk2>
+        <a:srgbClr val="44546A"/>
+      </a:dk2>
+      <a:lt2>
+        <a:srgbClr val="E7E6E6"/>
+      </a:lt2>
+      <a:accent1>
+        <a:srgbClr val="4472C4"/>
+      </a:accent1>
+      <a:accent2>
+        <a:srgbClr val="ED7D31"/>
+      </a:accent2>
+      <a:accent3>
+        <a:srgbClr val="A5A5A5"/>
+      </a:accent3>
+      <a:accent4>
+        <a:srgbClr val="FFC000"/>
+      </a:accent4>
+      <a:accent5>
+        <a:srgbClr val="5B9BD5"/>
+      </a:accent5>
+      <a:accent6>
+        <a:srgbClr val="70AD47"/>
+      </a:accent6>
+      <a:hlink>
+        <a:srgbClr val="0563C1"/>
+      </a:hlink>
+      <a:folHlink>
+        <a:srgbClr val="954F72"/>
+      </a:folHlink>
+    </a:clrScheme>
+    <a:fontScheme name="Office">
+      <a:majorFont>
+        <a:latin typeface="Calibri Light" panose="020F0302020204030204"/>
+        <a:ea typeface=""/>
+        <a:cs typeface=""/>
+        <a:font script="Jpan" typeface="游ゴシック Light"/>
+        <a:font script="Hang" typeface="맑은 고딕"/>
+        <a:font script="Hans" typeface="等线 Light"/>
+        <a:font script="Hant" typeface="新細明體"/>
+        <a:font script="Arab" typeface="Times New Roman"/>
+        <a:font script="Hebr" typeface="Times New Roman"/>
+        <a:font script="Thai" typeface="Angsana New"/>
+        <a:font script="Ethi" typeface="Nyala"/>
+        <a:font script="Beng" typeface="Vrinda"/>
+        <a:font script="Gujr" typeface="Shruti"/>
+        <a:font script="Khmr" typeface="MoolBoran"/>
+        <a:font script="Knda" typeface="Tunga"/>
+        <a:font script="Guru" typeface="Raavi"/>
+        <a:font script="Cans" typeface="Euphemia"/>
+        <a:font script="Cher" typeface="Plantagenet Cherokee"/>
+        <a:font script="Yiii" typeface="Microsoft Yi Baiti"/>
+        <a:font script="Tibt" typeface="Microsoft Himalaya"/>
+        <a:font script="Thaa" typeface="MV Boli"/>
+        <a:font script="Deva" typeface="Mangal"/>
+        <a:font script="Telu" typeface="Gautami"/>
+        <a:font script="Taml" typeface="Latha"/>
+        <a:font script="Syrc" typeface="Estrangelo Edessa"/>
+        <a:font script="Orya" typeface="Kalinga"/>
+        <a:font script="Mlym" typeface="Kartika"/>
+        <a:font script="Laoo" typeface="DokChampa"/>
+        <a:font script="Sinh" typeface="Iskoola Pota"/>
+        <a:font script="Mong" typeface="Mongolian Baiti"/>
+        <a:font script="Viet" typeface="Times New Roman"/>
+        <a:font script="Uigh" typeface="Microsoft Uighur"/>
+        <a:font script="Geor" typeface="Sylfaen"/>
+        <a:font script="Armn" typeface="Arial"/>
+        <a:font script="Bugi" typeface="Leelawadee UI"/>
+        <a:font script="Bopo" typeface="Microsoft JhengHei"/>
+        <a:font script="Java" typeface="Javanese Text"/>
+        <a:font script="Lisu" typeface="Segoe UI"/>
+        <a:font script="Mymr" typeface="Myanmar Text"/>
+        <a:font script="Nkoo" typeface="Ebrima"/>
+        <a:font script="Olck" typeface="Nirmala UI"/>
+        <a:font script="Osma" typeface="Ebrima"/>
+        <a:font script="Phag" typeface="Phagspa"/>
+        <a:font script="Syrn" typeface="Estrangelo Edessa"/>
+        <a:font script="Syrj" typeface="Estrangelo Edessa"/>
+        <a:font script="Syre" typeface="Estrangelo Edessa"/>
+        <a:font script="Sora" typeface="Nirmala UI"/>
+        <a:font script="Tale" typeface="Microsoft Tai Le"/>
+        <a:font script="Talu" typeface="Microsoft New Tai Lue"/>
+        <a:font script="Tfng" typeface="Ebrima"/>
+      </a:majorFont>
+      <a:minorFont>
+        <a:latin typeface="Calibri" panose="020F0502020204030204"/>
+        <a:ea typeface=""/>
+        <a:cs typeface=""/>
+        <a:font script="Jpan" typeface="游ゴシック"/>
+        <a:font script="Hang" typeface="맑은 고딕"/>
+        <a:font script="Hans" typeface="等线"/>
+        <a:font script="Hant" typeface="新細明體"/>
+        <a:font script="Arab" typeface="Arial"/>
+        <a:font script="Hebr" typeface="Arial"/>
+        <a:font script="Thai" typeface="Cordia New"/>
+        <a:font script="Ethi" typeface="Nyala"/>
+        <a:font script="Beng" typeface="Vrinda"/>
+        <a:font script="Gujr" typeface="Shruti"/>
+        <a:font script="Khmr" typeface="DaunPenh"/>
+        <a:font script="Knda" typeface="Tunga"/>
+        <a:font script="Guru" typeface="Raavi"/>
+        <a:font script="Cans" typeface="Euphemia"/>
+        <a:font script="Cher" typeface="Plantagenet Cherokee"/>
+        <a:font script="Yiii" typeface="Microsoft Yi Baiti"/>
+        <a:font script="Tibt" typeface="Microsoft Himalaya"/>
+        <a:font script="Thaa" typeface="MV Boli"/>
+        <a:font script="Deva" typeface="Mangal"/>
+        <a:font script="Telu" typeface="Gautami"/>
+        <a:font script="Taml" typeface="Latha"/>
+        <a:font script="Syrc" typeface="Estrangelo Edessa"/>
+        <a:font script="Orya" typeface="Kalinga"/>
+        <a:font script="Mlym" typeface="Kartika"/>
+        <a:font script="Laoo" typeface="DokChampa"/>
+        <a:font script="Sinh" typeface="Iskoola Pota"/>
+        <a:font script="Mong" typeface="Mongolian Baiti"/>
+        <a:font script="Viet" typeface="Arial"/>
+        <a:font script="Uigh" typeface="Microsoft Uighur"/>
+        <a:font script="Geor" typeface="Sylfaen"/>
+        <a:font script="Armn" typeface="Arial"/>
+        <a:font script="Bugi" typeface="Leelawadee UI"/>
+        <a:font script="Bopo" typeface="Microsoft JhengHei"/>
+        <a:font script="Java" typeface="Javanese Text"/>
+        <a:font script="Lisu" typeface="Segoe UI"/>
+        <a:font script="Mymr" typeface="Myanmar Text"/>
+        <a:font script="Nkoo" typeface="Ebrima"/>
+        <a:font script="Olck" typeface="Nirmala UI"/>
+        <a:font script="Osma" typeface="Ebrima"/>
+        <a:font script="Phag" typeface="Phagspa"/>
+        <a:font script="Syrn" typeface="Estrangelo Edessa"/>
+        <a:font script="Syrj" typeface="Estrangelo Edessa"/>
+        <a:font script="Syre" typeface="Estrangelo Edessa"/>
+        <a:font script="Sora" typeface="Nirmala UI"/>
+        <a:font script="Tale" typeface="Microsoft Tai Le"/>
+        <a:font script="Talu" typeface="Microsoft New Tai Lue"/>
+        <a:font script="Tfng" typeface="Ebrima"/>
+      </a:minorFont>
+    </a:fontScheme>
+    <a:fmtScheme name="Office">
+      <a:fillStyleLst>
+        <a:solidFill>
+          <a:schemeClr val="phClr"/>
+        </a:solidFill>
+        <a:gradFill rotWithShape="1">
+          <a:gsLst>
+            <a:gs pos="0">
+              <a:schemeClr val="phClr">
+                <a:lumMod val="110000"/>
+                <a:satMod val="105000"/>
+                <a:tint val="67000"/>
+              </a:schemeClr>
+            </a:gs>
+            <a:gs pos="50000">
+              <a:schemeClr val="phClr">
+                <a:lumMod val="105000"/>
+                <a:satMod val="103000"/>
+                <a:tint val="73000"/>
+              </a:schemeClr>
+            </a:gs>
+            <a:gs pos="100000">
+              <a:schemeClr val="phClr">
+                <a:lumMod val="105000"/>
+                <a:satMod val="109000"/>
+                <a:tint val="81000"/>
+              </a:schemeClr>
+            </a:gs>
+          </a:gsLst>
+          <a:lin ang="5400000" scaled="0"/>
+        </a:gradFill>
+        <a:gradFill rotWithShape="1">
+          <a:gsLst>
+            <a:gs pos="0">
+              <a:schemeClr val="phClr">
+                <a:satMod val="103000"/>
+                <a:lumMod val="102000"/>
+                <a:tint val="94000"/>
+              </a:schemeClr>
+            </a:gs>
+            <a:gs pos="50000">
+              <a:schemeClr val="phClr">
+                <a:satMod val="110000"/>
+                <a:lumMod val="100000"/>
+                <a:shade val="100000"/>
+              </a:schemeClr>
+            </a:gs>
+            <a:gs pos="100000">
+              <a:schemeClr val="phClr">
+                <a:lumMod val="99000"/>
+                <a:satMod val="120000"/>
+                <a:shade val="78000"/>
+              </a:schemeClr>
+            </a:gs>
+          </a:gsLst>
+          <a:lin ang="5400000" scaled="0"/>
+        </a:gradFill>
+      </a:fillStyleLst>
+      <a:lnStyleLst>
+        <a:ln w="6350" cap="flat" cmpd="sng" algn="ctr">
+          <a:solidFill>
+            <a:schemeClr val="phClr"/>
+          </a:solidFill>
+          <a:prstDash val="solid"/>
+          <a:miter lim="800000"/>
+        </a:ln>
+        <a:ln w="12700" cap="flat" cmpd="sng" algn="ctr">
+          <a:solidFill>
+            <a:schemeClr val="phClr"/>
+          </a:solidFill>
+          <a:prstDash val="solid"/>
+          <a:miter lim="800000"/>
+        </a:ln>
+        <a:ln w="19050" cap="flat" cmpd="sng" algn="ctr">
+          <a:solidFill>
+            <a:schemeClr val="phClr"/>
+          </a:solidFill>
+          <a:prstDash val="solid"/>
+          <a:miter lim="800000"/>
+        </a:ln>
+      </a:lnStyleLst>
+      <a:effectStyleLst>
+        <a:effectStyle>
+          <a:effectLst/>
+        </a:effectStyle>
+        <a:effectStyle>
+          <a:effectLst/>
+        </a:effectStyle>
+        <a:effectStyle>
+          <a:effectLst>
+            <a:outerShdw blurRad="57150" dist="19050" dir="5400000" algn="ctr" rotWithShape="0">
+              <a:srgbClr val="000000">
+                <a:alpha val="63000"/>
+              </a:srgbClr>
+            </a:outerShdw>
+          </a:effectLst>
+        </a:effectStyle>
+      </a:effectStyleLst>
+      <a:bgFillStyleLst>
+        <a:solidFill>
+          <a:schemeClr val="phClr"/>
+        </a:solidFill>
+        <a:solidFill>
+          <a:schemeClr val="phClr">
+            <a:tint val="95000"/>
+            <a:satMod val="170000"/>
+          </a:schemeClr>
+        </a:solidFill>
+        <a:gradFill rotWithShape="1">
+          <a:gsLst>
+            <a:gs pos="0">
+              <a:schemeClr val="phClr">
+                <a:tint val="93000"/>
+                <a:satMod val="150000"/>
+                <a:shade val="98000"/>
+                <a:lumMod val="102000"/>
+              </a:schemeClr>
+            </a:gs>
+            <a:gs pos="50000">
+              <a:schemeClr val="phClr">
+                <a:tint val="98000"/>
+                <a:satMod val="130000"/>
+                <a:shade val="90000"/>
+                <a:lumMod val="103000"/>
+              </a:schemeClr>
+            </a:gs>
+            <a:gs pos="100000">
+              <a:schemeClr val="phClr">
+                <a:shade val="63000"/>
+                <a:satMod val="120000"/>
+              </a:schemeClr>
+            </a:gs>
+          </a:gsLst>
+          <a:lin ang="5400000" scaled="0"/>
+        </a:gradFill>
+      </a:bgFillStyleLst>
+    </a:fmtScheme>
+  </a:themeElements>
+  <a:objectDefaults/>
+  <a:extraClrSchemeLst/>
+  <a:extLst>
+    <a:ext uri="{05A4C25C-085E-4340-85A3-A5531E510DB2}">
+      <thm15:themeFamily xmlns:thm15="http://schemas.microsoft.com/office/thememl/2012/main" name="Office Theme" id="{62F939B6-93AF-4DB8-9C6B-D6C7DFDC589F}" vid="{4A3C46E8-61CC-4603-A589-7422A47A8E4A}"/>
+    </a:ext>
+  </a:extLst>
+</a:theme>
 </file>
--- a/DeepLearning/HW7/imgs/ppt.pptx
+++ b/DeepLearning/HW7/imgs/ppt.pptx
@@ -5,13 +5,15 @@
     <p:sldMasterId id="2147483648" r:id="rId1"/>
   </p:sldMasterIdLst>
   <p:notesMasterIdLst>
-    <p:notesMasterId r:id="rId6"/>
+    <p:notesMasterId r:id="rId8"/>
   </p:notesMasterIdLst>
   <p:sldIdLst>
     <p:sldId id="256" r:id="rId2"/>
     <p:sldId id="257" r:id="rId3"/>
     <p:sldId id="258" r:id="rId4"/>
     <p:sldId id="259" r:id="rId5"/>
+    <p:sldId id="260" r:id="rId6"/>
+    <p:sldId id="261" r:id="rId7"/>
   </p:sldIdLst>
   <p:sldSz cx="12192000" cy="6858000"/>
   <p:notesSz cx="6858000" cy="9144000"/>
@@ -116,6 +118,18 @@
     </p:ext>
   </p:extLst>
 </p:presentation>
+</file>
+
+<file path=ppt/commentAuthors.xml><?xml version="1.0" encoding="utf-8"?>
+<p:cmAuthorLst xmlns:a="http://schemas.openxmlformats.org/drawingml/2006/main" xmlns:r="http://schemas.openxmlformats.org/officeDocument/2006/relationships" xmlns:p="http://schemas.openxmlformats.org/presentationml/2006/main">
+  <p:cmAuthor id="1" name="Jhong Jia Jheng" initials="JJJ" lastIdx="1" clrIdx="0">
+    <p:extLst>
+      <p:ext uri="{19B8F6BF-5375-455C-9EA6-DF929625EA0E}">
+        <p15:presenceInfo xmlns:p15="http://schemas.microsoft.com/office/powerpoint/2012/main" userId="1f2591c1c85b8b27" providerId="Windows Live"/>
+      </p:ext>
+    </p:extLst>
+  </p:cmAuthor>
+</p:cmAuthorLst>
 </file>
 
 <file path=ppt/notesMasters/notesMaster1.xml><?xml version="1.0" encoding="utf-8"?>
@@ -4540,6 +4554,967 @@
     <p:extLst>
       <p:ext uri="{BB962C8B-B14F-4D97-AF65-F5344CB8AC3E}">
         <p14:creationId xmlns:p14="http://schemas.microsoft.com/office/powerpoint/2010/main" val="3324914612"/>
+      </p:ext>
+    </p:extLst>
+  </p:cSld>
+  <p:clrMapOvr>
+    <a:masterClrMapping/>
+  </p:clrMapOvr>
+</p:sld>
+</file>
+
+<file path=ppt/slides/slide5.xml><?xml version="1.0" encoding="utf-8"?>
+<p:sld xmlns:a="http://schemas.openxmlformats.org/drawingml/2006/main" xmlns:r="http://schemas.openxmlformats.org/officeDocument/2006/relationships" xmlns:p="http://schemas.openxmlformats.org/presentationml/2006/main">
+  <p:cSld>
+    <p:spTree>
+      <p:nvGrpSpPr>
+        <p:cNvPr id="1" name=""/>
+        <p:cNvGrpSpPr/>
+        <p:nvPr/>
+      </p:nvGrpSpPr>
+      <p:grpSpPr>
+        <a:xfrm>
+          <a:off x="0" y="0"/>
+          <a:ext cx="0" cy="0"/>
+          <a:chOff x="0" y="0"/>
+          <a:chExt cx="0" cy="0"/>
+        </a:xfrm>
+      </p:grpSpPr>
+      <p:pic>
+        <p:nvPicPr>
+          <p:cNvPr id="5" name="Content Placeholder 4" descr="A picture containing indoor&#10;&#10;Description automatically generated">
+            <a:extLst>
+              <a:ext uri="{FF2B5EF4-FFF2-40B4-BE49-F238E27FC236}">
+                <a16:creationId xmlns:a16="http://schemas.microsoft.com/office/drawing/2014/main" id="{64C5150B-550E-46F5-BEE5-45FB0A2CAAEE}"/>
+              </a:ext>
+            </a:extLst>
+          </p:cNvPr>
+          <p:cNvPicPr>
+            <a:picLocks noGrp="1" noChangeAspect="1"/>
+          </p:cNvPicPr>
+          <p:nvPr>
+            <p:ph idx="1"/>
+          </p:nvPr>
+        </p:nvPicPr>
+        <p:blipFill>
+          <a:blip r:embed="rId2">
+            <a:extLst>
+              <a:ext uri="{28A0092B-C50C-407E-A947-70E740481C1C}">
+                <a14:useLocalDpi xmlns:a14="http://schemas.microsoft.com/office/drawing/2010/main" val="0"/>
+              </a:ext>
+            </a:extLst>
+          </a:blip>
+          <a:stretch>
+            <a:fillRect/>
+          </a:stretch>
+        </p:blipFill>
+        <p:spPr>
+          <a:xfrm>
+            <a:off x="608751" y="270090"/>
+            <a:ext cx="2365267" cy="1806204"/>
+          </a:xfrm>
+        </p:spPr>
+      </p:pic>
+      <p:pic>
+        <p:nvPicPr>
+          <p:cNvPr id="6" name="Picture 5" descr="A picture containing dark&#10;&#10;Description automatically generated">
+            <a:extLst>
+              <a:ext uri="{FF2B5EF4-FFF2-40B4-BE49-F238E27FC236}">
+                <a16:creationId xmlns:a16="http://schemas.microsoft.com/office/drawing/2014/main" id="{AA7BDF4C-1643-4731-AEE2-D9B99DD27475}"/>
+              </a:ext>
+            </a:extLst>
+          </p:cNvPr>
+          <p:cNvPicPr>
+            <a:picLocks noChangeAspect="1"/>
+          </p:cNvPicPr>
+          <p:nvPr/>
+        </p:nvPicPr>
+        <p:blipFill>
+          <a:blip r:embed="rId3">
+            <a:extLst>
+              <a:ext uri="{28A0092B-C50C-407E-A947-70E740481C1C}">
+                <a14:useLocalDpi xmlns:a14="http://schemas.microsoft.com/office/drawing/2010/main" val="0"/>
+              </a:ext>
+            </a:extLst>
+          </a:blip>
+          <a:stretch>
+            <a:fillRect/>
+          </a:stretch>
+        </p:blipFill>
+        <p:spPr>
+          <a:xfrm>
+            <a:off x="3130015" y="270090"/>
+            <a:ext cx="2365268" cy="1806205"/>
+          </a:xfrm>
+          <a:prstGeom prst="rect">
+            <a:avLst/>
+          </a:prstGeom>
+        </p:spPr>
+      </p:pic>
+      <p:sp>
+        <p:nvSpPr>
+          <p:cNvPr id="7" name="Rectangle 6">
+            <a:extLst>
+              <a:ext uri="{FF2B5EF4-FFF2-40B4-BE49-F238E27FC236}">
+                <a16:creationId xmlns:a16="http://schemas.microsoft.com/office/drawing/2014/main" id="{0DCC7DCF-B556-4518-AF8F-2FD0DF70C982}"/>
+              </a:ext>
+            </a:extLst>
+          </p:cNvPr>
+          <p:cNvSpPr/>
+          <p:nvPr/>
+        </p:nvSpPr>
+        <p:spPr>
+          <a:xfrm>
+            <a:off x="1465569" y="2076294"/>
+            <a:ext cx="959182" cy="382821"/>
+          </a:xfrm>
+          <a:prstGeom prst="rect">
+            <a:avLst/>
+          </a:prstGeom>
+          <a:noFill/>
+          <a:ln>
+            <a:solidFill>
+              <a:schemeClr val="tx1"/>
+            </a:solidFill>
+          </a:ln>
+        </p:spPr>
+        <p:style>
+          <a:lnRef idx="2">
+            <a:schemeClr val="accent1">
+              <a:shade val="50000"/>
+            </a:schemeClr>
+          </a:lnRef>
+          <a:fillRef idx="1">
+            <a:schemeClr val="accent1"/>
+          </a:fillRef>
+          <a:effectRef idx="0">
+            <a:schemeClr val="accent1"/>
+          </a:effectRef>
+          <a:fontRef idx="minor">
+            <a:schemeClr val="lt1"/>
+          </a:fontRef>
+        </p:style>
+        <p:txBody>
+          <a:bodyPr rtlCol="0" anchor="ctr"/>
+          <a:lstStyle/>
+          <a:p>
+            <a:pPr algn="ctr"/>
+            <a:r>
+              <a:rPr lang="en-US" altLang="zh-TW" sz="1200" dirty="0">
+                <a:solidFill>
+                  <a:schemeClr val="tx1"/>
+                </a:solidFill>
+              </a:rPr>
+              <a:t>Input Image</a:t>
+            </a:r>
+          </a:p>
+          <a:p>
+            <a:pPr algn="ctr"/>
+            <a:r>
+              <a:rPr lang="en-US" altLang="zh-TW" sz="1200" dirty="0">
+                <a:solidFill>
+                  <a:schemeClr val="tx1"/>
+                </a:solidFill>
+              </a:rPr>
+              <a:t>966 x 1280</a:t>
+            </a:r>
+            <a:endParaRPr lang="zh-TW" altLang="en-US" sz="1200" dirty="0">
+              <a:solidFill>
+                <a:schemeClr val="tx1"/>
+              </a:solidFill>
+            </a:endParaRPr>
+          </a:p>
+        </p:txBody>
+      </p:sp>
+      <p:sp>
+        <p:nvSpPr>
+          <p:cNvPr id="8" name="Rectangle 7">
+            <a:extLst>
+              <a:ext uri="{FF2B5EF4-FFF2-40B4-BE49-F238E27FC236}">
+                <a16:creationId xmlns:a16="http://schemas.microsoft.com/office/drawing/2014/main" id="{3D37C75E-468C-4735-AB7A-6CB374307981}"/>
+              </a:ext>
+            </a:extLst>
+          </p:cNvPr>
+          <p:cNvSpPr/>
+          <p:nvPr/>
+        </p:nvSpPr>
+        <p:spPr>
+          <a:xfrm>
+            <a:off x="3835280" y="2076294"/>
+            <a:ext cx="954738" cy="382821"/>
+          </a:xfrm>
+          <a:prstGeom prst="rect">
+            <a:avLst/>
+          </a:prstGeom>
+          <a:noFill/>
+          <a:ln>
+            <a:solidFill>
+              <a:schemeClr val="tx1"/>
+            </a:solidFill>
+          </a:ln>
+        </p:spPr>
+        <p:style>
+          <a:lnRef idx="2">
+            <a:schemeClr val="accent1">
+              <a:shade val="50000"/>
+            </a:schemeClr>
+          </a:lnRef>
+          <a:fillRef idx="1">
+            <a:schemeClr val="accent1"/>
+          </a:fillRef>
+          <a:effectRef idx="0">
+            <a:schemeClr val="accent1"/>
+          </a:effectRef>
+          <a:fontRef idx="minor">
+            <a:schemeClr val="lt1"/>
+          </a:fontRef>
+        </p:style>
+        <p:txBody>
+          <a:bodyPr rtlCol="0" anchor="ctr"/>
+          <a:lstStyle/>
+          <a:p>
+            <a:pPr algn="ctr"/>
+            <a:r>
+              <a:rPr lang="en-US" altLang="zh-TW" sz="1200" dirty="0">
+                <a:solidFill>
+                  <a:schemeClr val="tx1"/>
+                </a:solidFill>
+              </a:rPr>
+              <a:t>G.T. Mask</a:t>
+            </a:r>
+          </a:p>
+          <a:p>
+            <a:pPr algn="ctr"/>
+            <a:r>
+              <a:rPr lang="en-US" altLang="zh-TW" sz="1200" dirty="0">
+                <a:solidFill>
+                  <a:schemeClr val="tx1"/>
+                </a:solidFill>
+              </a:rPr>
+              <a:t>966 x 1280</a:t>
+            </a:r>
+            <a:endParaRPr lang="zh-TW" altLang="en-US" sz="1200" dirty="0">
+              <a:solidFill>
+                <a:schemeClr val="tx1"/>
+              </a:solidFill>
+            </a:endParaRPr>
+          </a:p>
+        </p:txBody>
+      </p:sp>
+      <p:pic>
+        <p:nvPicPr>
+          <p:cNvPr id="10" name="Picture 9" descr="Logo&#10;&#10;Description automatically generated">
+            <a:extLst>
+              <a:ext uri="{FF2B5EF4-FFF2-40B4-BE49-F238E27FC236}">
+                <a16:creationId xmlns:a16="http://schemas.microsoft.com/office/drawing/2014/main" id="{A80389DB-52B7-42ED-AEA1-9464CDC3B626}"/>
+              </a:ext>
+            </a:extLst>
+          </p:cNvPr>
+          <p:cNvPicPr>
+            <a:picLocks noChangeAspect="1"/>
+          </p:cNvPicPr>
+          <p:nvPr/>
+        </p:nvPicPr>
+        <p:blipFill>
+          <a:blip r:embed="rId4">
+            <a:extLst>
+              <a:ext uri="{28A0092B-C50C-407E-A947-70E740481C1C}">
+                <a14:useLocalDpi xmlns:a14="http://schemas.microsoft.com/office/drawing/2010/main" val="0"/>
+              </a:ext>
+            </a:extLst>
+          </a:blip>
+          <a:stretch>
+            <a:fillRect/>
+          </a:stretch>
+        </p:blipFill>
+        <p:spPr>
+          <a:xfrm>
+            <a:off x="3156011" y="3594683"/>
+            <a:ext cx="1634006" cy="1571639"/>
+          </a:xfrm>
+          <a:prstGeom prst="rect">
+            <a:avLst/>
+          </a:prstGeom>
+        </p:spPr>
+      </p:pic>
+      <p:pic>
+        <p:nvPicPr>
+          <p:cNvPr id="11" name="Picture 10" descr="A picture containing text, indoor&#10;&#10;Description automatically generated">
+            <a:extLst>
+              <a:ext uri="{FF2B5EF4-FFF2-40B4-BE49-F238E27FC236}">
+                <a16:creationId xmlns:a16="http://schemas.microsoft.com/office/drawing/2014/main" id="{F6B41F60-37BF-4514-A321-D4D41B4FF21A}"/>
+              </a:ext>
+            </a:extLst>
+          </p:cNvPr>
+          <p:cNvPicPr>
+            <a:picLocks noChangeAspect="1"/>
+          </p:cNvPicPr>
+          <p:nvPr/>
+        </p:nvPicPr>
+        <p:blipFill>
+          <a:blip r:embed="rId5">
+            <a:extLst>
+              <a:ext uri="{28A0092B-C50C-407E-A947-70E740481C1C}">
+                <a14:useLocalDpi xmlns:a14="http://schemas.microsoft.com/office/drawing/2010/main" val="0"/>
+              </a:ext>
+            </a:extLst>
+          </a:blip>
+          <a:stretch>
+            <a:fillRect/>
+          </a:stretch>
+        </p:blipFill>
+        <p:spPr>
+          <a:xfrm>
+            <a:off x="1522005" y="3594683"/>
+            <a:ext cx="1634006" cy="1571639"/>
+          </a:xfrm>
+          <a:prstGeom prst="rect">
+            <a:avLst/>
+          </a:prstGeom>
+        </p:spPr>
+      </p:pic>
+      <p:sp>
+        <p:nvSpPr>
+          <p:cNvPr id="13" name="Rectangle 12">
+            <a:extLst>
+              <a:ext uri="{FF2B5EF4-FFF2-40B4-BE49-F238E27FC236}">
+                <a16:creationId xmlns:a16="http://schemas.microsoft.com/office/drawing/2014/main" id="{EFF5C818-D0F4-4253-86C7-741DE83EA69B}"/>
+              </a:ext>
+            </a:extLst>
+          </p:cNvPr>
+          <p:cNvSpPr/>
+          <p:nvPr/>
+        </p:nvSpPr>
+        <p:spPr>
+          <a:xfrm>
+            <a:off x="1775017" y="5337893"/>
+            <a:ext cx="1127982" cy="382821"/>
+          </a:xfrm>
+          <a:prstGeom prst="rect">
+            <a:avLst/>
+          </a:prstGeom>
+          <a:noFill/>
+          <a:ln>
+            <a:solidFill>
+              <a:schemeClr val="tx1"/>
+            </a:solidFill>
+          </a:ln>
+        </p:spPr>
+        <p:style>
+          <a:lnRef idx="2">
+            <a:schemeClr val="accent1">
+              <a:shade val="50000"/>
+            </a:schemeClr>
+          </a:lnRef>
+          <a:fillRef idx="1">
+            <a:schemeClr val="accent1"/>
+          </a:fillRef>
+          <a:effectRef idx="0">
+            <a:schemeClr val="accent1"/>
+          </a:effectRef>
+          <a:fontRef idx="minor">
+            <a:schemeClr val="lt1"/>
+          </a:fontRef>
+        </p:style>
+        <p:txBody>
+          <a:bodyPr rtlCol="0" anchor="ctr"/>
+          <a:lstStyle/>
+          <a:p>
+            <a:pPr algn="ctr"/>
+            <a:r>
+              <a:rPr lang="en-US" altLang="zh-TW" sz="1200" dirty="0">
+                <a:solidFill>
+                  <a:schemeClr val="tx1"/>
+                </a:solidFill>
+              </a:rPr>
+              <a:t>*Input Image</a:t>
+            </a:r>
+          </a:p>
+          <a:p>
+            <a:pPr algn="ctr"/>
+            <a:r>
+              <a:rPr lang="en-US" altLang="zh-TW" sz="1200" dirty="0">
+                <a:solidFill>
+                  <a:schemeClr val="tx1"/>
+                </a:solidFill>
+              </a:rPr>
+              <a:t>512 x 512</a:t>
+            </a:r>
+            <a:endParaRPr lang="zh-TW" altLang="en-US" sz="1200" dirty="0">
+              <a:solidFill>
+                <a:schemeClr val="tx1"/>
+              </a:solidFill>
+            </a:endParaRPr>
+          </a:p>
+        </p:txBody>
+      </p:sp>
+      <p:sp>
+        <p:nvSpPr>
+          <p:cNvPr id="14" name="Rectangle 13">
+            <a:extLst>
+              <a:ext uri="{FF2B5EF4-FFF2-40B4-BE49-F238E27FC236}">
+                <a16:creationId xmlns:a16="http://schemas.microsoft.com/office/drawing/2014/main" id="{CECA77FD-86DC-4D4F-BC28-A0E82802238B}"/>
+              </a:ext>
+            </a:extLst>
+          </p:cNvPr>
+          <p:cNvSpPr/>
+          <p:nvPr/>
+        </p:nvSpPr>
+        <p:spPr>
+          <a:xfrm>
+            <a:off x="3471681" y="5337893"/>
+            <a:ext cx="1002666" cy="382821"/>
+          </a:xfrm>
+          <a:prstGeom prst="rect">
+            <a:avLst/>
+          </a:prstGeom>
+          <a:noFill/>
+          <a:ln>
+            <a:solidFill>
+              <a:schemeClr val="tx1"/>
+            </a:solidFill>
+          </a:ln>
+        </p:spPr>
+        <p:style>
+          <a:lnRef idx="2">
+            <a:schemeClr val="accent1">
+              <a:shade val="50000"/>
+            </a:schemeClr>
+          </a:lnRef>
+          <a:fillRef idx="1">
+            <a:schemeClr val="accent1"/>
+          </a:fillRef>
+          <a:effectRef idx="0">
+            <a:schemeClr val="accent1"/>
+          </a:effectRef>
+          <a:fontRef idx="minor">
+            <a:schemeClr val="lt1"/>
+          </a:fontRef>
+        </p:style>
+        <p:txBody>
+          <a:bodyPr rtlCol="0" anchor="ctr"/>
+          <a:lstStyle/>
+          <a:p>
+            <a:pPr algn="ctr"/>
+            <a:r>
+              <a:rPr lang="en-US" altLang="zh-TW" sz="1200" dirty="0">
+                <a:solidFill>
+                  <a:schemeClr val="tx1"/>
+                </a:solidFill>
+              </a:rPr>
+              <a:t>*G.T. Mask</a:t>
+            </a:r>
+          </a:p>
+          <a:p>
+            <a:pPr algn="ctr"/>
+            <a:r>
+              <a:rPr lang="en-US" altLang="zh-TW" sz="1200" dirty="0">
+                <a:solidFill>
+                  <a:schemeClr val="tx1"/>
+                </a:solidFill>
+              </a:rPr>
+              <a:t>512 x 512</a:t>
+            </a:r>
+            <a:endParaRPr lang="zh-TW" altLang="en-US" sz="1200" dirty="0">
+              <a:solidFill>
+                <a:schemeClr val="tx1"/>
+              </a:solidFill>
+            </a:endParaRPr>
+          </a:p>
+        </p:txBody>
+      </p:sp>
+      <p:sp>
+        <p:nvSpPr>
+          <p:cNvPr id="15" name="Arrow: Right 14">
+            <a:extLst>
+              <a:ext uri="{FF2B5EF4-FFF2-40B4-BE49-F238E27FC236}">
+                <a16:creationId xmlns:a16="http://schemas.microsoft.com/office/drawing/2014/main" id="{87218DF6-2BE4-4BB6-ACCF-5D41E86B399D}"/>
+              </a:ext>
+            </a:extLst>
+          </p:cNvPr>
+          <p:cNvSpPr/>
+          <p:nvPr/>
+        </p:nvSpPr>
+        <p:spPr>
+          <a:xfrm>
+            <a:off x="5132258" y="3781259"/>
+            <a:ext cx="1916611" cy="1198485"/>
+          </a:xfrm>
+          <a:prstGeom prst="rightArrow">
+            <a:avLst/>
+          </a:prstGeom>
+          <a:noFill/>
+          <a:ln w="76200">
+            <a:solidFill>
+              <a:schemeClr val="tx1"/>
+            </a:solidFill>
+          </a:ln>
+        </p:spPr>
+        <p:style>
+          <a:lnRef idx="2">
+            <a:schemeClr val="accent1">
+              <a:shade val="50000"/>
+            </a:schemeClr>
+          </a:lnRef>
+          <a:fillRef idx="1">
+            <a:schemeClr val="accent1"/>
+          </a:fillRef>
+          <a:effectRef idx="0">
+            <a:schemeClr val="accent1"/>
+          </a:effectRef>
+          <a:fontRef idx="minor">
+            <a:schemeClr val="lt1"/>
+          </a:fontRef>
+        </p:style>
+        <p:txBody>
+          <a:bodyPr rtlCol="0" anchor="ctr"/>
+          <a:lstStyle/>
+          <a:p>
+            <a:pPr algn="ctr"/>
+            <a:r>
+              <a:rPr lang="en-US" altLang="zh-TW" dirty="0">
+                <a:solidFill>
+                  <a:schemeClr val="tx1"/>
+                </a:solidFill>
+              </a:rPr>
+              <a:t>UNET/Training</a:t>
+            </a:r>
+            <a:endParaRPr lang="zh-TW" altLang="en-US" dirty="0">
+              <a:solidFill>
+                <a:schemeClr val="tx1"/>
+              </a:solidFill>
+            </a:endParaRPr>
+          </a:p>
+        </p:txBody>
+      </p:sp>
+      <p:pic>
+        <p:nvPicPr>
+          <p:cNvPr id="16" name="Picture 15" descr="Logo&#10;&#10;Description automatically generated">
+            <a:extLst>
+              <a:ext uri="{FF2B5EF4-FFF2-40B4-BE49-F238E27FC236}">
+                <a16:creationId xmlns:a16="http://schemas.microsoft.com/office/drawing/2014/main" id="{D336500C-39F7-44E8-BC3C-70EA3DB725BC}"/>
+              </a:ext>
+            </a:extLst>
+          </p:cNvPr>
+          <p:cNvPicPr>
+            <a:picLocks noChangeAspect="1"/>
+          </p:cNvPicPr>
+          <p:nvPr/>
+        </p:nvPicPr>
+        <p:blipFill>
+          <a:blip r:embed="rId6">
+            <a:extLst>
+              <a:ext uri="{28A0092B-C50C-407E-A947-70E740481C1C}">
+                <a14:useLocalDpi xmlns:a14="http://schemas.microsoft.com/office/drawing/2010/main" val="0"/>
+              </a:ext>
+            </a:extLst>
+          </a:blip>
+          <a:stretch>
+            <a:fillRect/>
+          </a:stretch>
+        </p:blipFill>
+        <p:spPr>
+          <a:xfrm>
+            <a:off x="7557415" y="3594683"/>
+            <a:ext cx="1634006" cy="1571639"/>
+          </a:xfrm>
+          <a:prstGeom prst="rect">
+            <a:avLst/>
+          </a:prstGeom>
+        </p:spPr>
+      </p:pic>
+      <p:sp>
+        <p:nvSpPr>
+          <p:cNvPr id="19" name="Rectangle 18">
+            <a:extLst>
+              <a:ext uri="{FF2B5EF4-FFF2-40B4-BE49-F238E27FC236}">
+                <a16:creationId xmlns:a16="http://schemas.microsoft.com/office/drawing/2014/main" id="{488FBB72-F0CD-421D-8500-983F42F0E6BA}"/>
+              </a:ext>
+            </a:extLst>
+          </p:cNvPr>
+          <p:cNvSpPr/>
+          <p:nvPr/>
+        </p:nvSpPr>
+        <p:spPr>
+          <a:xfrm>
+            <a:off x="7948290" y="5337893"/>
+            <a:ext cx="1002666" cy="382821"/>
+          </a:xfrm>
+          <a:prstGeom prst="rect">
+            <a:avLst/>
+          </a:prstGeom>
+          <a:noFill/>
+          <a:ln>
+            <a:solidFill>
+              <a:schemeClr val="tx1"/>
+            </a:solidFill>
+          </a:ln>
+        </p:spPr>
+        <p:style>
+          <a:lnRef idx="2">
+            <a:schemeClr val="accent1">
+              <a:shade val="50000"/>
+            </a:schemeClr>
+          </a:lnRef>
+          <a:fillRef idx="1">
+            <a:schemeClr val="accent1"/>
+          </a:fillRef>
+          <a:effectRef idx="0">
+            <a:schemeClr val="accent1"/>
+          </a:effectRef>
+          <a:fontRef idx="minor">
+            <a:schemeClr val="lt1"/>
+          </a:fontRef>
+        </p:style>
+        <p:txBody>
+          <a:bodyPr rtlCol="0" anchor="ctr"/>
+          <a:lstStyle/>
+          <a:p>
+            <a:pPr algn="ctr"/>
+            <a:r>
+              <a:rPr lang="en-US" altLang="zh-TW" sz="1200" dirty="0">
+                <a:solidFill>
+                  <a:schemeClr val="tx1"/>
+                </a:solidFill>
+              </a:rPr>
+              <a:t>Pred. Mask</a:t>
+            </a:r>
+          </a:p>
+          <a:p>
+            <a:pPr algn="ctr"/>
+            <a:r>
+              <a:rPr lang="en-US" altLang="zh-TW" sz="1200" dirty="0">
+                <a:solidFill>
+                  <a:schemeClr val="tx1"/>
+                </a:solidFill>
+              </a:rPr>
+              <a:t>512 x 512</a:t>
+            </a:r>
+            <a:endParaRPr lang="zh-TW" altLang="en-US" sz="1200" dirty="0">
+              <a:solidFill>
+                <a:schemeClr val="tx1"/>
+              </a:solidFill>
+            </a:endParaRPr>
+          </a:p>
+        </p:txBody>
+      </p:sp>
+      <p:sp>
+        <p:nvSpPr>
+          <p:cNvPr id="20" name="Arrow: Down 19">
+            <a:extLst>
+              <a:ext uri="{FF2B5EF4-FFF2-40B4-BE49-F238E27FC236}">
+                <a16:creationId xmlns:a16="http://schemas.microsoft.com/office/drawing/2014/main" id="{557BA627-CB51-4766-9619-3763A52CFC33}"/>
+              </a:ext>
+            </a:extLst>
+          </p:cNvPr>
+          <p:cNvSpPr/>
+          <p:nvPr/>
+        </p:nvSpPr>
+        <p:spPr>
+          <a:xfrm flipH="1">
+            <a:off x="2050742" y="2577176"/>
+            <a:ext cx="1784538" cy="703200"/>
+          </a:xfrm>
+          <a:prstGeom prst="downArrow">
+            <a:avLst/>
+          </a:prstGeom>
+          <a:noFill/>
+          <a:ln w="76200">
+            <a:solidFill>
+              <a:schemeClr val="tx1"/>
+            </a:solidFill>
+          </a:ln>
+        </p:spPr>
+        <p:style>
+          <a:lnRef idx="2">
+            <a:schemeClr val="accent1">
+              <a:shade val="50000"/>
+            </a:schemeClr>
+          </a:lnRef>
+          <a:fillRef idx="1">
+            <a:schemeClr val="accent1"/>
+          </a:fillRef>
+          <a:effectRef idx="0">
+            <a:schemeClr val="accent1"/>
+          </a:effectRef>
+          <a:fontRef idx="minor">
+            <a:schemeClr val="lt1"/>
+          </a:fontRef>
+        </p:style>
+        <p:txBody>
+          <a:bodyPr rtlCol="0" anchor="ctr"/>
+          <a:lstStyle/>
+          <a:p>
+            <a:pPr algn="ctr"/>
+            <a:r>
+              <a:rPr lang="en-US" altLang="zh-TW" dirty="0">
+                <a:solidFill>
+                  <a:schemeClr val="tx1"/>
+                </a:solidFill>
+              </a:rPr>
+              <a:t>Resize</a:t>
+            </a:r>
+            <a:endParaRPr lang="zh-TW" altLang="en-US" dirty="0">
+              <a:solidFill>
+                <a:schemeClr val="tx1"/>
+              </a:solidFill>
+            </a:endParaRPr>
+          </a:p>
+        </p:txBody>
+      </p:sp>
+      <p:sp>
+        <p:nvSpPr>
+          <p:cNvPr id="21" name="Arrow: Up 20">
+            <a:extLst>
+              <a:ext uri="{FF2B5EF4-FFF2-40B4-BE49-F238E27FC236}">
+                <a16:creationId xmlns:a16="http://schemas.microsoft.com/office/drawing/2014/main" id="{A816DD0C-E5CC-417C-B8DF-32B41C6095FB}"/>
+              </a:ext>
+            </a:extLst>
+          </p:cNvPr>
+          <p:cNvSpPr/>
+          <p:nvPr/>
+        </p:nvSpPr>
+        <p:spPr>
+          <a:xfrm>
+            <a:off x="7173157" y="2459115"/>
+            <a:ext cx="2396971" cy="821261"/>
+          </a:xfrm>
+          <a:prstGeom prst="upArrow">
+            <a:avLst/>
+          </a:prstGeom>
+          <a:noFill/>
+          <a:ln w="76200">
+            <a:solidFill>
+              <a:schemeClr val="tx1"/>
+            </a:solidFill>
+          </a:ln>
+        </p:spPr>
+        <p:style>
+          <a:lnRef idx="2">
+            <a:schemeClr val="accent1">
+              <a:shade val="50000"/>
+            </a:schemeClr>
+          </a:lnRef>
+          <a:fillRef idx="1">
+            <a:schemeClr val="accent1"/>
+          </a:fillRef>
+          <a:effectRef idx="0">
+            <a:schemeClr val="accent1"/>
+          </a:effectRef>
+          <a:fontRef idx="minor">
+            <a:schemeClr val="lt1"/>
+          </a:fontRef>
+        </p:style>
+        <p:txBody>
+          <a:bodyPr rtlCol="0" anchor="ctr"/>
+          <a:lstStyle/>
+          <a:p>
+            <a:pPr algn="ctr"/>
+            <a:r>
+              <a:rPr lang="en-US" altLang="zh-TW" dirty="0">
+                <a:solidFill>
+                  <a:schemeClr val="tx1"/>
+                </a:solidFill>
+              </a:rPr>
+              <a:t>Resize</a:t>
+            </a:r>
+            <a:endParaRPr lang="zh-TW" altLang="en-US" dirty="0">
+              <a:solidFill>
+                <a:schemeClr val="tx1"/>
+              </a:solidFill>
+            </a:endParaRPr>
+          </a:p>
+        </p:txBody>
+      </p:sp>
+      <p:sp>
+        <p:nvSpPr>
+          <p:cNvPr id="23" name="Rectangle 22">
+            <a:extLst>
+              <a:ext uri="{FF2B5EF4-FFF2-40B4-BE49-F238E27FC236}">
+                <a16:creationId xmlns:a16="http://schemas.microsoft.com/office/drawing/2014/main" id="{FA66A655-5CF0-49BB-B70B-0D8B94A9932B}"/>
+              </a:ext>
+            </a:extLst>
+          </p:cNvPr>
+          <p:cNvSpPr/>
+          <p:nvPr/>
+        </p:nvSpPr>
+        <p:spPr>
+          <a:xfrm>
+            <a:off x="7173157" y="270090"/>
+            <a:ext cx="2396970" cy="1706492"/>
+          </a:xfrm>
+          <a:prstGeom prst="rect">
+            <a:avLst/>
+          </a:prstGeom>
+          <a:noFill/>
+          <a:ln w="76200">
+            <a:solidFill>
+              <a:schemeClr val="tx1"/>
+            </a:solidFill>
+          </a:ln>
+        </p:spPr>
+        <p:style>
+          <a:lnRef idx="2">
+            <a:schemeClr val="accent1">
+              <a:shade val="50000"/>
+            </a:schemeClr>
+          </a:lnRef>
+          <a:fillRef idx="1">
+            <a:schemeClr val="accent1"/>
+          </a:fillRef>
+          <a:effectRef idx="0">
+            <a:schemeClr val="accent1"/>
+          </a:effectRef>
+          <a:fontRef idx="minor">
+            <a:schemeClr val="lt1"/>
+          </a:fontRef>
+        </p:style>
+        <p:txBody>
+          <a:bodyPr rtlCol="0" anchor="ctr"/>
+          <a:lstStyle/>
+          <a:p>
+            <a:pPr algn="ctr"/>
+            <a:r>
+              <a:rPr lang="en-US" altLang="zh-TW" dirty="0">
+                <a:solidFill>
+                  <a:sysClr val="windowText" lastClr="000000"/>
+                </a:solidFill>
+              </a:rPr>
+              <a:t>*Pred. Mask</a:t>
+            </a:r>
+          </a:p>
+          <a:p>
+            <a:pPr algn="ctr"/>
+            <a:r>
+              <a:rPr lang="en-US" altLang="zh-TW" dirty="0">
+                <a:solidFill>
+                  <a:sysClr val="windowText" lastClr="000000"/>
+                </a:solidFill>
+              </a:rPr>
+              <a:t>966 x 1280</a:t>
+            </a:r>
+            <a:endParaRPr lang="zh-TW" altLang="en-US" dirty="0">
+              <a:solidFill>
+                <a:sysClr val="windowText" lastClr="000000"/>
+              </a:solidFill>
+            </a:endParaRPr>
+          </a:p>
+        </p:txBody>
+      </p:sp>
+    </p:spTree>
+    <p:extLst>
+      <p:ext uri="{BB962C8B-B14F-4D97-AF65-F5344CB8AC3E}">
+        <p14:creationId xmlns:p14="http://schemas.microsoft.com/office/powerpoint/2010/main" val="576743008"/>
+      </p:ext>
+    </p:extLst>
+  </p:cSld>
+  <p:clrMapOvr>
+    <a:masterClrMapping/>
+  </p:clrMapOvr>
+</p:sld>
+</file>
+
+<file path=ppt/slides/slide6.xml><?xml version="1.0" encoding="utf-8"?>
+<p:sld xmlns:a="http://schemas.openxmlformats.org/drawingml/2006/main" xmlns:r="http://schemas.openxmlformats.org/officeDocument/2006/relationships" xmlns:p="http://schemas.openxmlformats.org/presentationml/2006/main">
+  <p:cSld>
+    <p:spTree>
+      <p:nvGrpSpPr>
+        <p:cNvPr id="1" name=""/>
+        <p:cNvGrpSpPr/>
+        <p:nvPr/>
+      </p:nvGrpSpPr>
+      <p:grpSpPr>
+        <a:xfrm>
+          <a:off x="0" y="0"/>
+          <a:ext cx="0" cy="0"/>
+          <a:chOff x="0" y="0"/>
+          <a:chExt cx="0" cy="0"/>
+        </a:xfrm>
+      </p:grpSpPr>
+      <p:sp>
+        <p:nvSpPr>
+          <p:cNvPr id="2" name="Title 1">
+            <a:extLst>
+              <a:ext uri="{FF2B5EF4-FFF2-40B4-BE49-F238E27FC236}">
+                <a16:creationId xmlns:a16="http://schemas.microsoft.com/office/drawing/2014/main" id="{F06E7F4F-D69D-4932-BF13-A8EE58994110}"/>
+              </a:ext>
+            </a:extLst>
+          </p:cNvPr>
+          <p:cNvSpPr>
+            <a:spLocks noGrp="1"/>
+          </p:cNvSpPr>
+          <p:nvPr>
+            <p:ph type="title"/>
+          </p:nvPr>
+        </p:nvSpPr>
+        <p:spPr/>
+        <p:txBody>
+          <a:bodyPr/>
+          <a:lstStyle/>
+          <a:p>
+            <a:endParaRPr lang="zh-TW" altLang="en-US"/>
+          </a:p>
+        </p:txBody>
+      </p:sp>
+      <p:sp>
+        <p:nvSpPr>
+          <p:cNvPr id="3" name="Content Placeholder 2">
+            <a:extLst>
+              <a:ext uri="{FF2B5EF4-FFF2-40B4-BE49-F238E27FC236}">
+                <a16:creationId xmlns:a16="http://schemas.microsoft.com/office/drawing/2014/main" id="{A75DAB01-9142-469F-8824-8AD3D6C1A04D}"/>
+              </a:ext>
+            </a:extLst>
+          </p:cNvPr>
+          <p:cNvSpPr>
+            <a:spLocks noGrp="1"/>
+          </p:cNvSpPr>
+          <p:nvPr>
+            <p:ph idx="1"/>
+          </p:nvPr>
+        </p:nvSpPr>
+        <p:spPr/>
+        <p:txBody>
+          <a:bodyPr/>
+          <a:lstStyle/>
+          <a:p>
+            <a:endParaRPr lang="zh-TW" altLang="en-US"/>
+          </a:p>
+        </p:txBody>
+      </p:sp>
+      <p:pic>
+        <p:nvPicPr>
+          <p:cNvPr id="5" name="Picture 4">
+            <a:extLst>
+              <a:ext uri="{FF2B5EF4-FFF2-40B4-BE49-F238E27FC236}">
+                <a16:creationId xmlns:a16="http://schemas.microsoft.com/office/drawing/2014/main" id="{A24692F4-6CD7-4D44-AD1D-3F40D61CA20E}"/>
+              </a:ext>
+            </a:extLst>
+          </p:cNvPr>
+          <p:cNvPicPr>
+            <a:picLocks noChangeAspect="1"/>
+          </p:cNvPicPr>
+          <p:nvPr/>
+        </p:nvPicPr>
+        <p:blipFill>
+          <a:blip r:embed="rId2"/>
+          <a:stretch>
+            <a:fillRect/>
+          </a:stretch>
+        </p:blipFill>
+        <p:spPr>
+          <a:xfrm>
+            <a:off x="416834" y="0"/>
+            <a:ext cx="11358331" cy="6858000"/>
+          </a:xfrm>
+          <a:prstGeom prst="rect">
+            <a:avLst/>
+          </a:prstGeom>
+        </p:spPr>
+      </p:pic>
+    </p:spTree>
+    <p:extLst>
+      <p:ext uri="{BB962C8B-B14F-4D97-AF65-F5344CB8AC3E}">
+        <p14:creationId xmlns:p14="http://schemas.microsoft.com/office/powerpoint/2010/main" val="797482026"/>
       </p:ext>
     </p:extLst>
   </p:cSld>

--- a/DeepLearning/HW7/imgs/ppt.pptx
+++ b/DeepLearning/HW7/imgs/ppt.pptx
@@ -5,15 +5,17 @@
     <p:sldMasterId id="2147483648" r:id="rId1"/>
   </p:sldMasterIdLst>
   <p:notesMasterIdLst>
-    <p:notesMasterId r:id="rId8"/>
+    <p:notesMasterId r:id="rId10"/>
   </p:notesMasterIdLst>
   <p:sldIdLst>
     <p:sldId id="256" r:id="rId2"/>
-    <p:sldId id="257" r:id="rId3"/>
-    <p:sldId id="258" r:id="rId4"/>
-    <p:sldId id="259" r:id="rId5"/>
-    <p:sldId id="260" r:id="rId6"/>
-    <p:sldId id="261" r:id="rId7"/>
+    <p:sldId id="262" r:id="rId3"/>
+    <p:sldId id="263" r:id="rId4"/>
+    <p:sldId id="257" r:id="rId5"/>
+    <p:sldId id="258" r:id="rId6"/>
+    <p:sldId id="259" r:id="rId7"/>
+    <p:sldId id="260" r:id="rId8"/>
+    <p:sldId id="261" r:id="rId9"/>
   </p:sldIdLst>
   <p:sldSz cx="12192000" cy="6858000"/>
   <p:notesSz cx="6858000" cy="9144000"/>
@@ -214,7 +216,7 @@
           <a:p>
             <a:fld id="{2E80F319-FDC0-492D-859A-D49C851F2F45}" type="datetimeFigureOut">
               <a:rPr lang="zh-TW" altLang="en-US" smtClean="0"/>
-              <a:t>2021/6/6</a:t>
+              <a:t>2021/6/7</a:t>
             </a:fld>
             <a:endParaRPr lang="zh-TW" altLang="en-US"/>
           </a:p>
@@ -547,7 +549,7 @@
           <a:p>
             <a:fld id="{B7714AEF-7ED1-4D2A-B34D-39CFCDB39A1E}" type="slidenum">
               <a:rPr lang="zh-TW" altLang="en-US" smtClean="0"/>
-              <a:t>3</a:t>
+              <a:t>5</a:t>
             </a:fld>
             <a:endParaRPr lang="zh-TW" altLang="en-US"/>
           </a:p>
@@ -715,7 +717,7 @@
           <a:p>
             <a:fld id="{DD4EF81A-0A4F-4821-BE45-A9FC670C2586}" type="datetimeFigureOut">
               <a:rPr lang="zh-TW" altLang="en-US" smtClean="0"/>
-              <a:t>2021/6/6</a:t>
+              <a:t>2021/6/7</a:t>
             </a:fld>
             <a:endParaRPr lang="zh-TW" altLang="en-US"/>
           </a:p>
@@ -915,7 +917,7 @@
           <a:p>
             <a:fld id="{DD4EF81A-0A4F-4821-BE45-A9FC670C2586}" type="datetimeFigureOut">
               <a:rPr lang="zh-TW" altLang="en-US" smtClean="0"/>
-              <a:t>2021/6/6</a:t>
+              <a:t>2021/6/7</a:t>
             </a:fld>
             <a:endParaRPr lang="zh-TW" altLang="en-US"/>
           </a:p>
@@ -1125,7 +1127,7 @@
           <a:p>
             <a:fld id="{DD4EF81A-0A4F-4821-BE45-A9FC670C2586}" type="datetimeFigureOut">
               <a:rPr lang="zh-TW" altLang="en-US" smtClean="0"/>
-              <a:t>2021/6/6</a:t>
+              <a:t>2021/6/7</a:t>
             </a:fld>
             <a:endParaRPr lang="zh-TW" altLang="en-US"/>
           </a:p>
@@ -1325,7 +1327,7 @@
           <a:p>
             <a:fld id="{DD4EF81A-0A4F-4821-BE45-A9FC670C2586}" type="datetimeFigureOut">
               <a:rPr lang="zh-TW" altLang="en-US" smtClean="0"/>
-              <a:t>2021/6/6</a:t>
+              <a:t>2021/6/7</a:t>
             </a:fld>
             <a:endParaRPr lang="zh-TW" altLang="en-US"/>
           </a:p>
@@ -1601,7 +1603,7 @@
           <a:p>
             <a:fld id="{DD4EF81A-0A4F-4821-BE45-A9FC670C2586}" type="datetimeFigureOut">
               <a:rPr lang="zh-TW" altLang="en-US" smtClean="0"/>
-              <a:t>2021/6/6</a:t>
+              <a:t>2021/6/7</a:t>
             </a:fld>
             <a:endParaRPr lang="zh-TW" altLang="en-US"/>
           </a:p>
@@ -1869,7 +1871,7 @@
           <a:p>
             <a:fld id="{DD4EF81A-0A4F-4821-BE45-A9FC670C2586}" type="datetimeFigureOut">
               <a:rPr lang="zh-TW" altLang="en-US" smtClean="0"/>
-              <a:t>2021/6/6</a:t>
+              <a:t>2021/6/7</a:t>
             </a:fld>
             <a:endParaRPr lang="zh-TW" altLang="en-US"/>
           </a:p>
@@ -2284,7 +2286,7 @@
           <a:p>
             <a:fld id="{DD4EF81A-0A4F-4821-BE45-A9FC670C2586}" type="datetimeFigureOut">
               <a:rPr lang="zh-TW" altLang="en-US" smtClean="0"/>
-              <a:t>2021/6/6</a:t>
+              <a:t>2021/6/7</a:t>
             </a:fld>
             <a:endParaRPr lang="zh-TW" altLang="en-US"/>
           </a:p>
@@ -2426,7 +2428,7 @@
           <a:p>
             <a:fld id="{DD4EF81A-0A4F-4821-BE45-A9FC670C2586}" type="datetimeFigureOut">
               <a:rPr lang="zh-TW" altLang="en-US" smtClean="0"/>
-              <a:t>2021/6/6</a:t>
+              <a:t>2021/6/7</a:t>
             </a:fld>
             <a:endParaRPr lang="zh-TW" altLang="en-US"/>
           </a:p>
@@ -2539,7 +2541,7 @@
           <a:p>
             <a:fld id="{DD4EF81A-0A4F-4821-BE45-A9FC670C2586}" type="datetimeFigureOut">
               <a:rPr lang="zh-TW" altLang="en-US" smtClean="0"/>
-              <a:t>2021/6/6</a:t>
+              <a:t>2021/6/7</a:t>
             </a:fld>
             <a:endParaRPr lang="zh-TW" altLang="en-US"/>
           </a:p>
@@ -2852,7 +2854,7 @@
           <a:p>
             <a:fld id="{DD4EF81A-0A4F-4821-BE45-A9FC670C2586}" type="datetimeFigureOut">
               <a:rPr lang="zh-TW" altLang="en-US" smtClean="0"/>
-              <a:t>2021/6/6</a:t>
+              <a:t>2021/6/7</a:t>
             </a:fld>
             <a:endParaRPr lang="zh-TW" altLang="en-US"/>
           </a:p>
@@ -3141,7 +3143,7 @@
           <a:p>
             <a:fld id="{DD4EF81A-0A4F-4821-BE45-A9FC670C2586}" type="datetimeFigureOut">
               <a:rPr lang="zh-TW" altLang="en-US" smtClean="0"/>
-              <a:t>2021/6/6</a:t>
+              <a:t>2021/6/7</a:t>
             </a:fld>
             <a:endParaRPr lang="zh-TW" altLang="en-US"/>
           </a:p>
@@ -3384,7 +3386,7 @@
           <a:p>
             <a:fld id="{DD4EF81A-0A4F-4821-BE45-A9FC670C2586}" type="datetimeFigureOut">
               <a:rPr lang="zh-TW" altLang="en-US" smtClean="0"/>
-              <a:t>2021/6/6</a:t>
+              <a:t>2021/6/7</a:t>
             </a:fld>
             <a:endParaRPr lang="zh-TW" altLang="en-US"/>
           </a:p>
@@ -4121,6 +4123,455 @@
           <p:cNvPr id="2" name="Title 1">
             <a:extLst>
               <a:ext uri="{FF2B5EF4-FFF2-40B4-BE49-F238E27FC236}">
+                <a16:creationId xmlns:a16="http://schemas.microsoft.com/office/drawing/2014/main" id="{B783CE74-E550-4172-9A58-B8F4409AEA96}"/>
+              </a:ext>
+            </a:extLst>
+          </p:cNvPr>
+          <p:cNvSpPr>
+            <a:spLocks noGrp="1"/>
+          </p:cNvSpPr>
+          <p:nvPr>
+            <p:ph type="title"/>
+          </p:nvPr>
+        </p:nvSpPr>
+        <p:spPr/>
+        <p:txBody>
+          <a:bodyPr/>
+          <a:lstStyle/>
+          <a:p>
+            <a:endParaRPr lang="zh-TW" altLang="en-US"/>
+          </a:p>
+        </p:txBody>
+      </p:sp>
+      <p:pic>
+        <p:nvPicPr>
+          <p:cNvPr id="5" name="Content Placeholder 4">
+            <a:extLst>
+              <a:ext uri="{FF2B5EF4-FFF2-40B4-BE49-F238E27FC236}">
+                <a16:creationId xmlns:a16="http://schemas.microsoft.com/office/drawing/2014/main" id="{98CCD73B-CB8B-4C81-B526-4867B5D08434}"/>
+              </a:ext>
+            </a:extLst>
+          </p:cNvPr>
+          <p:cNvPicPr>
+            <a:picLocks noGrp="1" noChangeAspect="1"/>
+          </p:cNvPicPr>
+          <p:nvPr>
+            <p:ph idx="1"/>
+          </p:nvPr>
+        </p:nvPicPr>
+        <p:blipFill>
+          <a:blip r:embed="rId2">
+            <a:extLst>
+              <a:ext uri="{28A0092B-C50C-407E-A947-70E740481C1C}">
+                <a14:useLocalDpi xmlns:a14="http://schemas.microsoft.com/office/drawing/2010/main" val="0"/>
+              </a:ext>
+            </a:extLst>
+          </a:blip>
+          <a:stretch>
+            <a:fillRect/>
+          </a:stretch>
+        </p:blipFill>
+        <p:spPr>
+          <a:xfrm>
+            <a:off x="475741" y="2400729"/>
+            <a:ext cx="3328158" cy="3201129"/>
+          </a:xfrm>
+        </p:spPr>
+      </p:pic>
+      <p:pic>
+        <p:nvPicPr>
+          <p:cNvPr id="7" name="Picture 6" descr="A picture containing text&#10;&#10;Description automatically generated">
+            <a:extLst>
+              <a:ext uri="{FF2B5EF4-FFF2-40B4-BE49-F238E27FC236}">
+                <a16:creationId xmlns:a16="http://schemas.microsoft.com/office/drawing/2014/main" id="{A353832E-456E-4ABB-B3BE-FB0521979EA1}"/>
+              </a:ext>
+            </a:extLst>
+          </p:cNvPr>
+          <p:cNvPicPr>
+            <a:picLocks noChangeAspect="1"/>
+          </p:cNvPicPr>
+          <p:nvPr/>
+        </p:nvPicPr>
+        <p:blipFill>
+          <a:blip r:embed="rId3">
+            <a:extLst>
+              <a:ext uri="{28A0092B-C50C-407E-A947-70E740481C1C}">
+                <a14:useLocalDpi xmlns:a14="http://schemas.microsoft.com/office/drawing/2010/main" val="0"/>
+              </a:ext>
+            </a:extLst>
+          </a:blip>
+          <a:stretch>
+            <a:fillRect/>
+          </a:stretch>
+        </p:blipFill>
+        <p:spPr>
+          <a:xfrm>
+            <a:off x="4431921" y="2400729"/>
+            <a:ext cx="3328158" cy="3201129"/>
+          </a:xfrm>
+          <a:prstGeom prst="rect">
+            <a:avLst/>
+          </a:prstGeom>
+        </p:spPr>
+      </p:pic>
+      <p:pic>
+        <p:nvPicPr>
+          <p:cNvPr id="9" name="Picture 8" descr="A picture containing text, display&#10;&#10;Description automatically generated">
+            <a:extLst>
+              <a:ext uri="{FF2B5EF4-FFF2-40B4-BE49-F238E27FC236}">
+                <a16:creationId xmlns:a16="http://schemas.microsoft.com/office/drawing/2014/main" id="{B8DC6293-6F6B-420D-BD9A-6250043CBBA6}"/>
+              </a:ext>
+            </a:extLst>
+          </p:cNvPr>
+          <p:cNvPicPr>
+            <a:picLocks noChangeAspect="1"/>
+          </p:cNvPicPr>
+          <p:nvPr/>
+        </p:nvPicPr>
+        <p:blipFill>
+          <a:blip r:embed="rId4">
+            <a:extLst>
+              <a:ext uri="{28A0092B-C50C-407E-A947-70E740481C1C}">
+                <a14:useLocalDpi xmlns:a14="http://schemas.microsoft.com/office/drawing/2010/main" val="0"/>
+              </a:ext>
+            </a:extLst>
+          </a:blip>
+          <a:stretch>
+            <a:fillRect/>
+          </a:stretch>
+        </p:blipFill>
+        <p:spPr>
+          <a:xfrm>
+            <a:off x="8388101" y="2400729"/>
+            <a:ext cx="3328158" cy="3201129"/>
+          </a:xfrm>
+          <a:prstGeom prst="rect">
+            <a:avLst/>
+          </a:prstGeom>
+        </p:spPr>
+      </p:pic>
+      <p:sp>
+        <p:nvSpPr>
+          <p:cNvPr id="10" name="Rectangle 9">
+            <a:extLst>
+              <a:ext uri="{FF2B5EF4-FFF2-40B4-BE49-F238E27FC236}">
+                <a16:creationId xmlns:a16="http://schemas.microsoft.com/office/drawing/2014/main" id="{8C069848-FB63-4EB1-A424-94E10BFA12B4}"/>
+              </a:ext>
+            </a:extLst>
+          </p:cNvPr>
+          <p:cNvSpPr/>
+          <p:nvPr/>
+        </p:nvSpPr>
+        <p:spPr>
+          <a:xfrm>
+            <a:off x="1101767" y="5624252"/>
+            <a:ext cx="2076106" cy="732208"/>
+          </a:xfrm>
+          <a:prstGeom prst="rect">
+            <a:avLst/>
+          </a:prstGeom>
+          <a:noFill/>
+        </p:spPr>
+        <p:style>
+          <a:lnRef idx="2">
+            <a:schemeClr val="accent1">
+              <a:shade val="50000"/>
+            </a:schemeClr>
+          </a:lnRef>
+          <a:fillRef idx="1">
+            <a:schemeClr val="accent1"/>
+          </a:fillRef>
+          <a:effectRef idx="0">
+            <a:schemeClr val="accent1"/>
+          </a:effectRef>
+          <a:fontRef idx="minor">
+            <a:schemeClr val="lt1"/>
+          </a:fontRef>
+        </p:style>
+        <p:txBody>
+          <a:bodyPr rtlCol="0" anchor="ctr"/>
+          <a:lstStyle/>
+          <a:p>
+            <a:pPr algn="ctr"/>
+            <a:r>
+              <a:rPr lang="en-US" altLang="zh-TW" sz="2800" b="1" dirty="0">
+                <a:solidFill>
+                  <a:schemeClr val="tx1"/>
+                </a:solidFill>
+              </a:rPr>
+              <a:t>Input Image</a:t>
+            </a:r>
+            <a:endParaRPr lang="zh-TW" altLang="en-US" sz="2800" b="1" dirty="0">
+              <a:solidFill>
+                <a:schemeClr val="tx1"/>
+              </a:solidFill>
+            </a:endParaRPr>
+          </a:p>
+        </p:txBody>
+      </p:sp>
+      <p:sp>
+        <p:nvSpPr>
+          <p:cNvPr id="11" name="Rectangle 10">
+            <a:extLst>
+              <a:ext uri="{FF2B5EF4-FFF2-40B4-BE49-F238E27FC236}">
+                <a16:creationId xmlns:a16="http://schemas.microsoft.com/office/drawing/2014/main" id="{A332B525-11FA-4A37-9088-6F845C307E72}"/>
+              </a:ext>
+            </a:extLst>
+          </p:cNvPr>
+          <p:cNvSpPr/>
+          <p:nvPr/>
+        </p:nvSpPr>
+        <p:spPr>
+          <a:xfrm>
+            <a:off x="5057947" y="5624252"/>
+            <a:ext cx="2076106" cy="732208"/>
+          </a:xfrm>
+          <a:prstGeom prst="rect">
+            <a:avLst/>
+          </a:prstGeom>
+          <a:noFill/>
+        </p:spPr>
+        <p:style>
+          <a:lnRef idx="2">
+            <a:schemeClr val="accent1">
+              <a:shade val="50000"/>
+            </a:schemeClr>
+          </a:lnRef>
+          <a:fillRef idx="1">
+            <a:schemeClr val="accent1"/>
+          </a:fillRef>
+          <a:effectRef idx="0">
+            <a:schemeClr val="accent1"/>
+          </a:effectRef>
+          <a:fontRef idx="minor">
+            <a:schemeClr val="lt1"/>
+          </a:fontRef>
+        </p:style>
+        <p:txBody>
+          <a:bodyPr rtlCol="0" anchor="ctr"/>
+          <a:lstStyle/>
+          <a:p>
+            <a:pPr algn="ctr"/>
+            <a:r>
+              <a:rPr lang="en-US" altLang="zh-TW" sz="2800" b="1" dirty="0">
+                <a:solidFill>
+                  <a:schemeClr val="tx1"/>
+                </a:solidFill>
+              </a:rPr>
+              <a:t>G.T. Mask</a:t>
+            </a:r>
+            <a:endParaRPr lang="zh-TW" altLang="en-US" sz="2800" b="1" dirty="0">
+              <a:solidFill>
+                <a:schemeClr val="tx1"/>
+              </a:solidFill>
+            </a:endParaRPr>
+          </a:p>
+        </p:txBody>
+      </p:sp>
+      <p:sp>
+        <p:nvSpPr>
+          <p:cNvPr id="12" name="Rectangle 11">
+            <a:extLst>
+              <a:ext uri="{FF2B5EF4-FFF2-40B4-BE49-F238E27FC236}">
+                <a16:creationId xmlns:a16="http://schemas.microsoft.com/office/drawing/2014/main" id="{1047D35D-8205-4E3D-B5F5-816EC47746AA}"/>
+              </a:ext>
+            </a:extLst>
+          </p:cNvPr>
+          <p:cNvSpPr/>
+          <p:nvPr/>
+        </p:nvSpPr>
+        <p:spPr>
+          <a:xfrm>
+            <a:off x="9014127" y="5601858"/>
+            <a:ext cx="2076106" cy="732208"/>
+          </a:xfrm>
+          <a:prstGeom prst="rect">
+            <a:avLst/>
+          </a:prstGeom>
+          <a:noFill/>
+        </p:spPr>
+        <p:style>
+          <a:lnRef idx="2">
+            <a:schemeClr val="accent1">
+              <a:shade val="50000"/>
+            </a:schemeClr>
+          </a:lnRef>
+          <a:fillRef idx="1">
+            <a:schemeClr val="accent1"/>
+          </a:fillRef>
+          <a:effectRef idx="0">
+            <a:schemeClr val="accent1"/>
+          </a:effectRef>
+          <a:fontRef idx="minor">
+            <a:schemeClr val="lt1"/>
+          </a:fontRef>
+        </p:style>
+        <p:txBody>
+          <a:bodyPr rtlCol="0" anchor="ctr"/>
+          <a:lstStyle/>
+          <a:p>
+            <a:pPr algn="ctr"/>
+            <a:r>
+              <a:rPr lang="en-US" altLang="zh-TW" sz="2800" b="1" dirty="0">
+                <a:solidFill>
+                  <a:schemeClr val="tx1"/>
+                </a:solidFill>
+              </a:rPr>
+              <a:t>Pred. Mask</a:t>
+            </a:r>
+            <a:endParaRPr lang="zh-TW" altLang="en-US" sz="2800" b="1" dirty="0">
+              <a:solidFill>
+                <a:schemeClr val="tx1"/>
+              </a:solidFill>
+            </a:endParaRPr>
+          </a:p>
+        </p:txBody>
+      </p:sp>
+    </p:spTree>
+    <p:extLst>
+      <p:ext uri="{BB962C8B-B14F-4D97-AF65-F5344CB8AC3E}">
+        <p14:creationId xmlns:p14="http://schemas.microsoft.com/office/powerpoint/2010/main" val="2069286652"/>
+      </p:ext>
+    </p:extLst>
+  </p:cSld>
+  <p:clrMapOvr>
+    <a:masterClrMapping/>
+  </p:clrMapOvr>
+</p:sld>
+</file>
+
+<file path=ppt/slides/slide3.xml><?xml version="1.0" encoding="utf-8"?>
+<p:sld xmlns:a="http://schemas.openxmlformats.org/drawingml/2006/main" xmlns:r="http://schemas.openxmlformats.org/officeDocument/2006/relationships" xmlns:p="http://schemas.openxmlformats.org/presentationml/2006/main">
+  <p:cSld>
+    <p:spTree>
+      <p:nvGrpSpPr>
+        <p:cNvPr id="1" name=""/>
+        <p:cNvGrpSpPr/>
+        <p:nvPr/>
+      </p:nvGrpSpPr>
+      <p:grpSpPr>
+        <a:xfrm>
+          <a:off x="0" y="0"/>
+          <a:ext cx="0" cy="0"/>
+          <a:chOff x="0" y="0"/>
+          <a:chExt cx="0" cy="0"/>
+        </a:xfrm>
+      </p:grpSpPr>
+      <p:sp>
+        <p:nvSpPr>
+          <p:cNvPr id="2" name="Title 1">
+            <a:extLst>
+              <a:ext uri="{FF2B5EF4-FFF2-40B4-BE49-F238E27FC236}">
+                <a16:creationId xmlns:a16="http://schemas.microsoft.com/office/drawing/2014/main" id="{B9C0359E-47C7-474D-BA9D-6CC2016F64BB}"/>
+              </a:ext>
+            </a:extLst>
+          </p:cNvPr>
+          <p:cNvSpPr>
+            <a:spLocks noGrp="1"/>
+          </p:cNvSpPr>
+          <p:nvPr>
+            <p:ph type="title"/>
+          </p:nvPr>
+        </p:nvSpPr>
+        <p:spPr/>
+        <p:txBody>
+          <a:bodyPr/>
+          <a:lstStyle/>
+          <a:p>
+            <a:endParaRPr lang="zh-TW" altLang="en-US"/>
+          </a:p>
+        </p:txBody>
+      </p:sp>
+      <p:sp>
+        <p:nvSpPr>
+          <p:cNvPr id="3" name="Content Placeholder 2">
+            <a:extLst>
+              <a:ext uri="{FF2B5EF4-FFF2-40B4-BE49-F238E27FC236}">
+                <a16:creationId xmlns:a16="http://schemas.microsoft.com/office/drawing/2014/main" id="{EE426F72-93A0-4F80-B50D-80E4429F451A}"/>
+              </a:ext>
+            </a:extLst>
+          </p:cNvPr>
+          <p:cNvSpPr>
+            <a:spLocks noGrp="1"/>
+          </p:cNvSpPr>
+          <p:nvPr>
+            <p:ph idx="1"/>
+          </p:nvPr>
+        </p:nvSpPr>
+        <p:spPr/>
+        <p:txBody>
+          <a:bodyPr/>
+          <a:lstStyle/>
+          <a:p>
+            <a:endParaRPr lang="zh-TW" altLang="en-US"/>
+          </a:p>
+        </p:txBody>
+      </p:sp>
+      <p:pic>
+        <p:nvPicPr>
+          <p:cNvPr id="5" name="Picture 4">
+            <a:extLst>
+              <a:ext uri="{FF2B5EF4-FFF2-40B4-BE49-F238E27FC236}">
+                <a16:creationId xmlns:a16="http://schemas.microsoft.com/office/drawing/2014/main" id="{9EA45568-D26F-487F-9CF8-DD8644D5EFD8}"/>
+              </a:ext>
+            </a:extLst>
+          </p:cNvPr>
+          <p:cNvPicPr>
+            <a:picLocks noChangeAspect="1"/>
+          </p:cNvPicPr>
+          <p:nvPr/>
+        </p:nvPicPr>
+        <p:blipFill>
+          <a:blip r:embed="rId2"/>
+          <a:stretch>
+            <a:fillRect/>
+          </a:stretch>
+        </p:blipFill>
+        <p:spPr>
+          <a:xfrm>
+            <a:off x="0" y="999574"/>
+            <a:ext cx="12192000" cy="4858852"/>
+          </a:xfrm>
+          <a:prstGeom prst="rect">
+            <a:avLst/>
+          </a:prstGeom>
+        </p:spPr>
+      </p:pic>
+    </p:spTree>
+    <p:extLst>
+      <p:ext uri="{BB962C8B-B14F-4D97-AF65-F5344CB8AC3E}">
+        <p14:creationId xmlns:p14="http://schemas.microsoft.com/office/powerpoint/2010/main" val="1010220068"/>
+      </p:ext>
+    </p:extLst>
+  </p:cSld>
+  <p:clrMapOvr>
+    <a:masterClrMapping/>
+  </p:clrMapOvr>
+</p:sld>
+</file>
+
+<file path=ppt/slides/slide4.xml><?xml version="1.0" encoding="utf-8"?>
+<p:sld xmlns:a="http://schemas.openxmlformats.org/drawingml/2006/main" xmlns:r="http://schemas.openxmlformats.org/officeDocument/2006/relationships" xmlns:p="http://schemas.openxmlformats.org/presentationml/2006/main">
+  <p:cSld>
+    <p:spTree>
+      <p:nvGrpSpPr>
+        <p:cNvPr id="1" name=""/>
+        <p:cNvGrpSpPr/>
+        <p:nvPr/>
+      </p:nvGrpSpPr>
+      <p:grpSpPr>
+        <a:xfrm>
+          <a:off x="0" y="0"/>
+          <a:ext cx="0" cy="0"/>
+          <a:chOff x="0" y="0"/>
+          <a:chExt cx="0" cy="0"/>
+        </a:xfrm>
+      </p:grpSpPr>
+      <p:sp>
+        <p:nvSpPr>
+          <p:cNvPr id="2" name="Title 1">
+            <a:extLst>
+              <a:ext uri="{FF2B5EF4-FFF2-40B4-BE49-F238E27FC236}">
                 <a16:creationId xmlns:a16="http://schemas.microsoft.com/office/drawing/2014/main" id="{D5FF48F8-25D6-4756-9FF3-EAC3E69E8A4C}"/>
               </a:ext>
             </a:extLst>
@@ -4209,7 +4660,7 @@
 </p:sld>
 </file>
 
-<file path=ppt/slides/slide3.xml><?xml version="1.0" encoding="utf-8"?>
+<file path=ppt/slides/slide5.xml><?xml version="1.0" encoding="utf-8"?>
 <p:sld xmlns:a="http://schemas.openxmlformats.org/drawingml/2006/main" xmlns:r="http://schemas.openxmlformats.org/officeDocument/2006/relationships" xmlns:p="http://schemas.openxmlformats.org/presentationml/2006/main">
   <p:cSld>
     <p:spTree>
@@ -4453,7 +4904,7 @@
 </p:sld>
 </file>
 
-<file path=ppt/slides/slide4.xml><?xml version="1.0" encoding="utf-8"?>
+<file path=ppt/slides/slide6.xml><?xml version="1.0" encoding="utf-8"?>
 <p:sld xmlns:a="http://schemas.openxmlformats.org/drawingml/2006/main" xmlns:r="http://schemas.openxmlformats.org/officeDocument/2006/relationships" xmlns:p="http://schemas.openxmlformats.org/presentationml/2006/main">
   <p:cSld>
     <p:spTree>
@@ -4563,7 +5014,7 @@
 </p:sld>
 </file>
 
-<file path=ppt/slides/slide5.xml><?xml version="1.0" encoding="utf-8"?>
+<file path=ppt/slides/slide7.xml><?xml version="1.0" encoding="utf-8"?>
 <p:sld xmlns:a="http://schemas.openxmlformats.org/drawingml/2006/main" xmlns:r="http://schemas.openxmlformats.org/officeDocument/2006/relationships" xmlns:p="http://schemas.openxmlformats.org/presentationml/2006/main">
   <p:cSld>
     <p:spTree>
@@ -5414,7 +5865,7 @@
 </p:sld>
 </file>
 
-<file path=ppt/slides/slide6.xml><?xml version="1.0" encoding="utf-8"?>
+<file path=ppt/slides/slide8.xml><?xml version="1.0" encoding="utf-8"?>
 <p:sld xmlns:a="http://schemas.openxmlformats.org/drawingml/2006/main" xmlns:r="http://schemas.openxmlformats.org/officeDocument/2006/relationships" xmlns:p="http://schemas.openxmlformats.org/presentationml/2006/main">
   <p:cSld>
     <p:spTree>
